--- a/0 - 수업 소개.pptx
+++ b/0 - 수업 소개.pptx
@@ -14,20 +14,32 @@
     <p:sldId id="274" r:id="rId8"/>
     <p:sldId id="275" r:id="rId9"/>
     <p:sldId id="276" r:id="rId10"/>
-    <p:sldId id="269" r:id="rId11"/>
-    <p:sldId id="277" r:id="rId12"/>
+    <p:sldId id="278" r:id="rId11"/>
+    <p:sldId id="279" r:id="rId12"/>
+    <p:sldId id="280" r:id="rId13"/>
+    <p:sldId id="281" r:id="rId14"/>
+    <p:sldId id="282" r:id="rId15"/>
+    <p:sldId id="269" r:id="rId16"/>
+    <p:sldId id="277" r:id="rId17"/>
   </p:sldIdLst>
   <p:sldSz cx="12192000" cy="6858000"/>
   <p:notesSz cx="6858000" cy="9144000"/>
   <p:embeddedFontLst>
     <p:embeddedFont>
+      <p:font typeface="Consolas" panose="020B0609020204030204" pitchFamily="49" charset="0"/>
+      <p:regular r:id="rId18"/>
+      <p:bold r:id="rId19"/>
+      <p:italic r:id="rId20"/>
+      <p:boldItalic r:id="rId21"/>
+    </p:embeddedFont>
+    <p:embeddedFont>
       <p:font typeface="나눔스퀘어OTF Light" panose="020B0600000101010101" pitchFamily="34" charset="-127"/>
-      <p:regular r:id="rId13"/>
+      <p:regular r:id="rId22"/>
     </p:embeddedFont>
     <p:embeddedFont>
       <p:font typeface="맑은 고딕" panose="020B0503020000020004" pitchFamily="50" charset="-127"/>
-      <p:regular r:id="rId14"/>
-      <p:bold r:id="rId15"/>
+      <p:regular r:id="rId23"/>
+      <p:bold r:id="rId24"/>
     </p:embeddedFont>
   </p:embeddedFontLst>
   <p:defaultTextStyle>
@@ -3511,6 +3523,2299 @@
       </p:grpSpPr>
       <p:sp>
         <p:nvSpPr>
+          <p:cNvPr id="6" name="TextBox 5">
+            <a:extLst>
+              <a:ext uri="{FF2B5EF4-FFF2-40B4-BE49-F238E27FC236}">
+                <a16:creationId xmlns:a16="http://schemas.microsoft.com/office/drawing/2014/main" id="{F453C929-8CA3-4E79-AF5D-99EC8407C6CF}"/>
+              </a:ext>
+            </a:extLst>
+          </p:cNvPr>
+          <p:cNvSpPr txBox="1"/>
+          <p:nvPr/>
+        </p:nvSpPr>
+        <p:spPr>
+          <a:xfrm>
+            <a:off x="171888" y="194702"/>
+            <a:ext cx="1954381" cy="523220"/>
+          </a:xfrm>
+          <a:prstGeom prst="rect">
+            <a:avLst/>
+          </a:prstGeom>
+          <a:noFill/>
+        </p:spPr>
+        <p:txBody>
+          <a:bodyPr wrap="none" rtlCol="0">
+            <a:spAutoFit/>
+          </a:bodyPr>
+          <a:lstStyle/>
+          <a:p>
+            <a:r>
+              <a:rPr lang="en-US" altLang="ko-KR" sz="2800">
+                <a:latin typeface="나눔스퀘어OTF Light" panose="020B0600000101010101" pitchFamily="34" charset="-127"/>
+                <a:ea typeface="나눔스퀘어OTF Light" panose="020B0600000101010101" pitchFamily="34" charset="-127"/>
+              </a:rPr>
+              <a:t>3. </a:t>
+            </a:r>
+            <a:r>
+              <a:rPr lang="ko-KR" altLang="en-US" sz="2800">
+                <a:latin typeface="나눔스퀘어OTF Light" panose="020B0600000101010101" pitchFamily="34" charset="-127"/>
+                <a:ea typeface="나눔스퀘어OTF Light" panose="020B0600000101010101" pitchFamily="34" charset="-127"/>
+              </a:rPr>
+              <a:t>수업 내용</a:t>
+            </a:r>
+          </a:p>
+        </p:txBody>
+      </p:sp>
+      <p:cxnSp>
+        <p:nvCxnSpPr>
+          <p:cNvPr id="4" name="직선 연결선 3">
+            <a:extLst>
+              <a:ext uri="{FF2B5EF4-FFF2-40B4-BE49-F238E27FC236}">
+                <a16:creationId xmlns:a16="http://schemas.microsoft.com/office/drawing/2014/main" id="{7442459B-3DED-44F0-9E4C-B50601FEB425}"/>
+              </a:ext>
+            </a:extLst>
+          </p:cNvPr>
+          <p:cNvCxnSpPr>
+            <a:cxnSpLocks/>
+          </p:cNvCxnSpPr>
+          <p:nvPr/>
+        </p:nvCxnSpPr>
+        <p:spPr>
+          <a:xfrm>
+            <a:off x="132133" y="780690"/>
+            <a:ext cx="819295" cy="0"/>
+          </a:xfrm>
+          <a:prstGeom prst="line">
+            <a:avLst/>
+          </a:prstGeom>
+          <a:ln>
+            <a:solidFill>
+              <a:schemeClr val="tx1"/>
+            </a:solidFill>
+          </a:ln>
+        </p:spPr>
+        <p:style>
+          <a:lnRef idx="1">
+            <a:schemeClr val="accent1"/>
+          </a:lnRef>
+          <a:fillRef idx="0">
+            <a:schemeClr val="accent1"/>
+          </a:fillRef>
+          <a:effectRef idx="0">
+            <a:schemeClr val="accent1"/>
+          </a:effectRef>
+          <a:fontRef idx="minor">
+            <a:schemeClr val="tx1"/>
+          </a:fontRef>
+        </p:style>
+      </p:cxnSp>
+      <p:sp>
+        <p:nvSpPr>
+          <p:cNvPr id="5" name="TextBox 4">
+            <a:extLst>
+              <a:ext uri="{FF2B5EF4-FFF2-40B4-BE49-F238E27FC236}">
+                <a16:creationId xmlns:a16="http://schemas.microsoft.com/office/drawing/2014/main" id="{3C61CC51-CD15-44A0-92E7-489AA378435A}"/>
+              </a:ext>
+            </a:extLst>
+          </p:cNvPr>
+          <p:cNvSpPr txBox="1"/>
+          <p:nvPr/>
+        </p:nvSpPr>
+        <p:spPr>
+          <a:xfrm>
+            <a:off x="2126269" y="1498020"/>
+            <a:ext cx="1653017" cy="400110"/>
+          </a:xfrm>
+          <a:prstGeom prst="rect">
+            <a:avLst/>
+          </a:prstGeom>
+          <a:noFill/>
+        </p:spPr>
+        <p:txBody>
+          <a:bodyPr wrap="none" rtlCol="0">
+            <a:spAutoFit/>
+          </a:bodyPr>
+          <a:lstStyle/>
+          <a:p>
+            <a:r>
+              <a:rPr lang="ko-KR" altLang="en-US" sz="2000">
+                <a:latin typeface="나눔스퀘어OTF Light" panose="020B0600000101010101" pitchFamily="34" charset="-127"/>
+                <a:ea typeface="나눔스퀘어OTF Light" panose="020B0600000101010101" pitchFamily="34" charset="-127"/>
+              </a:rPr>
+              <a:t>버프와 디버프</a:t>
+            </a:r>
+          </a:p>
+        </p:txBody>
+      </p:sp>
+      <p:sp>
+        <p:nvSpPr>
+          <p:cNvPr id="19" name="TextBox 18">
+            <a:extLst>
+              <a:ext uri="{FF2B5EF4-FFF2-40B4-BE49-F238E27FC236}">
+                <a16:creationId xmlns:a16="http://schemas.microsoft.com/office/drawing/2014/main" id="{B0C3769D-0373-4686-A87D-B0EBCB6FBF1C}"/>
+              </a:ext>
+            </a:extLst>
+          </p:cNvPr>
+          <p:cNvSpPr txBox="1"/>
+          <p:nvPr/>
+        </p:nvSpPr>
+        <p:spPr>
+          <a:xfrm>
+            <a:off x="2923549" y="2019322"/>
+            <a:ext cx="4903907" cy="425309"/>
+          </a:xfrm>
+          <a:prstGeom prst="rect">
+            <a:avLst/>
+          </a:prstGeom>
+          <a:noFill/>
+        </p:spPr>
+        <p:txBody>
+          <a:bodyPr wrap="none" rtlCol="0">
+            <a:spAutoFit/>
+          </a:bodyPr>
+          <a:lstStyle/>
+          <a:p>
+            <a:pPr>
+              <a:lnSpc>
+                <a:spcPct val="150000"/>
+              </a:lnSpc>
+            </a:pPr>
+            <a:r>
+              <a:rPr lang="ko-KR" altLang="en-US" sz="1600">
+                <a:latin typeface="나눔스퀘어OTF Light" panose="020B0600000101010101" pitchFamily="34" charset="-127"/>
+                <a:ea typeface="나눔스퀘어OTF Light" panose="020B0600000101010101" pitchFamily="34" charset="-127"/>
+              </a:rPr>
+              <a:t>객체지향의 인터페이스를 활용한 버프와 디버프 관리하기</a:t>
+            </a:r>
+            <a:endParaRPr lang="en-US" altLang="ko-KR" sz="1600">
+              <a:latin typeface="나눔스퀘어OTF Light" panose="020B0600000101010101" pitchFamily="34" charset="-127"/>
+              <a:ea typeface="나눔스퀘어OTF Light" panose="020B0600000101010101" pitchFamily="34" charset="-127"/>
+            </a:endParaRPr>
+          </a:p>
+        </p:txBody>
+      </p:sp>
+      <p:sp>
+        <p:nvSpPr>
+          <p:cNvPr id="7" name="TextBox 6">
+            <a:extLst>
+              <a:ext uri="{FF2B5EF4-FFF2-40B4-BE49-F238E27FC236}">
+                <a16:creationId xmlns:a16="http://schemas.microsoft.com/office/drawing/2014/main" id="{85CEC74C-E73B-46A3-BA2A-5E1040BF6ADD}"/>
+              </a:ext>
+            </a:extLst>
+          </p:cNvPr>
+          <p:cNvSpPr txBox="1"/>
+          <p:nvPr/>
+        </p:nvSpPr>
+        <p:spPr>
+          <a:xfrm>
+            <a:off x="2126269" y="3166007"/>
+            <a:ext cx="1717137" cy="400110"/>
+          </a:xfrm>
+          <a:prstGeom prst="rect">
+            <a:avLst/>
+          </a:prstGeom>
+          <a:noFill/>
+        </p:spPr>
+        <p:txBody>
+          <a:bodyPr wrap="none" rtlCol="0">
+            <a:spAutoFit/>
+          </a:bodyPr>
+          <a:lstStyle/>
+          <a:p>
+            <a:r>
+              <a:rPr lang="ko-KR" altLang="en-US" sz="2000">
+                <a:latin typeface="나눔스퀘어OTF Light" panose="020B0600000101010101" pitchFamily="34" charset="-127"/>
+                <a:ea typeface="나눔스퀘어OTF Light" panose="020B0600000101010101" pitchFamily="34" charset="-127"/>
+              </a:rPr>
+              <a:t>퀘스트와 업적</a:t>
+            </a:r>
+          </a:p>
+        </p:txBody>
+      </p:sp>
+      <p:sp>
+        <p:nvSpPr>
+          <p:cNvPr id="8" name="TextBox 7">
+            <a:extLst>
+              <a:ext uri="{FF2B5EF4-FFF2-40B4-BE49-F238E27FC236}">
+                <a16:creationId xmlns:a16="http://schemas.microsoft.com/office/drawing/2014/main" id="{F44808E7-095A-4C3B-9F2E-C03D743DB2B7}"/>
+              </a:ext>
+            </a:extLst>
+          </p:cNvPr>
+          <p:cNvSpPr txBox="1"/>
+          <p:nvPr/>
+        </p:nvSpPr>
+        <p:spPr>
+          <a:xfrm>
+            <a:off x="2923549" y="3687309"/>
+            <a:ext cx="4025461" cy="425309"/>
+          </a:xfrm>
+          <a:prstGeom prst="rect">
+            <a:avLst/>
+          </a:prstGeom>
+          <a:noFill/>
+        </p:spPr>
+        <p:txBody>
+          <a:bodyPr wrap="none" rtlCol="0">
+            <a:spAutoFit/>
+          </a:bodyPr>
+          <a:lstStyle/>
+          <a:p>
+            <a:pPr>
+              <a:lnSpc>
+                <a:spcPct val="150000"/>
+              </a:lnSpc>
+            </a:pPr>
+            <a:r>
+              <a:rPr lang="ko-KR" altLang="en-US" sz="1600">
+                <a:latin typeface="나눔스퀘어OTF Light" panose="020B0600000101010101" pitchFamily="34" charset="-127"/>
+                <a:ea typeface="나눔스퀘어OTF Light" panose="020B0600000101010101" pitchFamily="34" charset="-127"/>
+              </a:rPr>
+              <a:t>관찰자 패턴을 이용한 퀘스트와 업적 구현하기</a:t>
+            </a:r>
+            <a:endParaRPr lang="en-US" altLang="ko-KR" sz="1600">
+              <a:latin typeface="나눔스퀘어OTF Light" panose="020B0600000101010101" pitchFamily="34" charset="-127"/>
+              <a:ea typeface="나눔스퀘어OTF Light" panose="020B0600000101010101" pitchFamily="34" charset="-127"/>
+            </a:endParaRPr>
+          </a:p>
+        </p:txBody>
+      </p:sp>
+      <p:sp>
+        <p:nvSpPr>
+          <p:cNvPr id="9" name="TextBox 8">
+            <a:extLst>
+              <a:ext uri="{FF2B5EF4-FFF2-40B4-BE49-F238E27FC236}">
+                <a16:creationId xmlns:a16="http://schemas.microsoft.com/office/drawing/2014/main" id="{4D678093-3B2C-4E31-AE40-50AD700366A2}"/>
+              </a:ext>
+            </a:extLst>
+          </p:cNvPr>
+          <p:cNvSpPr txBox="1"/>
+          <p:nvPr/>
+        </p:nvSpPr>
+        <p:spPr>
+          <a:xfrm>
+            <a:off x="2126269" y="4833994"/>
+            <a:ext cx="1120820" cy="400110"/>
+          </a:xfrm>
+          <a:prstGeom prst="rect">
+            <a:avLst/>
+          </a:prstGeom>
+          <a:noFill/>
+        </p:spPr>
+        <p:txBody>
+          <a:bodyPr wrap="none" rtlCol="0">
+            <a:spAutoFit/>
+          </a:bodyPr>
+          <a:lstStyle/>
+          <a:p>
+            <a:r>
+              <a:rPr lang="ko-KR" altLang="en-US" sz="2000">
+                <a:latin typeface="나눔스퀘어OTF Light" panose="020B0600000101010101" pitchFamily="34" charset="-127"/>
+                <a:ea typeface="나눔스퀘어OTF Light" panose="020B0600000101010101" pitchFamily="34" charset="-127"/>
+              </a:rPr>
+              <a:t>인벤토리</a:t>
+            </a:r>
+          </a:p>
+        </p:txBody>
+      </p:sp>
+      <p:sp>
+        <p:nvSpPr>
+          <p:cNvPr id="10" name="TextBox 9">
+            <a:extLst>
+              <a:ext uri="{FF2B5EF4-FFF2-40B4-BE49-F238E27FC236}">
+                <a16:creationId xmlns:a16="http://schemas.microsoft.com/office/drawing/2014/main" id="{91E5F5BE-B02D-4B95-9371-6029790CF91E}"/>
+              </a:ext>
+            </a:extLst>
+          </p:cNvPr>
+          <p:cNvSpPr txBox="1"/>
+          <p:nvPr/>
+        </p:nvSpPr>
+        <p:spPr>
+          <a:xfrm>
+            <a:off x="2923549" y="5355296"/>
+            <a:ext cx="4160113" cy="425309"/>
+          </a:xfrm>
+          <a:prstGeom prst="rect">
+            <a:avLst/>
+          </a:prstGeom>
+          <a:noFill/>
+        </p:spPr>
+        <p:txBody>
+          <a:bodyPr wrap="none" rtlCol="0">
+            <a:spAutoFit/>
+          </a:bodyPr>
+          <a:lstStyle/>
+          <a:p>
+            <a:pPr>
+              <a:lnSpc>
+                <a:spcPct val="150000"/>
+              </a:lnSpc>
+            </a:pPr>
+            <a:r>
+              <a:rPr lang="ko-KR" altLang="en-US" sz="1600">
+                <a:latin typeface="나눔스퀘어OTF Light" panose="020B0600000101010101" pitchFamily="34" charset="-127"/>
+                <a:ea typeface="나눔스퀘어OTF Light" panose="020B0600000101010101" pitchFamily="34" charset="-127"/>
+              </a:rPr>
+              <a:t>오브젝트에 종속적이지 않는 인벤토리 구현하기</a:t>
+            </a:r>
+            <a:endParaRPr lang="en-US" altLang="ko-KR" sz="1600">
+              <a:latin typeface="나눔스퀘어OTF Light" panose="020B0600000101010101" pitchFamily="34" charset="-127"/>
+              <a:ea typeface="나눔스퀘어OTF Light" panose="020B0600000101010101" pitchFamily="34" charset="-127"/>
+            </a:endParaRPr>
+          </a:p>
+        </p:txBody>
+      </p:sp>
+    </p:spTree>
+    <p:extLst>
+      <p:ext uri="{BB962C8B-B14F-4D97-AF65-F5344CB8AC3E}">
+        <p14:creationId xmlns:p14="http://schemas.microsoft.com/office/powerpoint/2010/main" val="4053056057"/>
+      </p:ext>
+    </p:extLst>
+  </p:cSld>
+  <p:clrMapOvr>
+    <a:masterClrMapping/>
+  </p:clrMapOvr>
+</p:sld>
+</file>
+
+<file path=ppt/slides/slide11.xml><?xml version="1.0" encoding="utf-8"?>
+<p:sld xmlns:a="http://schemas.openxmlformats.org/drawingml/2006/main" xmlns:r="http://schemas.openxmlformats.org/officeDocument/2006/relationships" xmlns:p="http://schemas.openxmlformats.org/presentationml/2006/main">
+  <p:cSld>
+    <p:spTree>
+      <p:nvGrpSpPr>
+        <p:cNvPr id="1" name=""/>
+        <p:cNvGrpSpPr/>
+        <p:nvPr/>
+      </p:nvGrpSpPr>
+      <p:grpSpPr>
+        <a:xfrm>
+          <a:off x="0" y="0"/>
+          <a:ext cx="0" cy="0"/>
+          <a:chOff x="0" y="0"/>
+          <a:chExt cx="0" cy="0"/>
+        </a:xfrm>
+      </p:grpSpPr>
+      <p:sp>
+        <p:nvSpPr>
+          <p:cNvPr id="6" name="TextBox 5">
+            <a:extLst>
+              <a:ext uri="{FF2B5EF4-FFF2-40B4-BE49-F238E27FC236}">
+                <a16:creationId xmlns:a16="http://schemas.microsoft.com/office/drawing/2014/main" id="{F453C929-8CA3-4E79-AF5D-99EC8407C6CF}"/>
+              </a:ext>
+            </a:extLst>
+          </p:cNvPr>
+          <p:cNvSpPr txBox="1"/>
+          <p:nvPr/>
+        </p:nvSpPr>
+        <p:spPr>
+          <a:xfrm>
+            <a:off x="171888" y="194702"/>
+            <a:ext cx="1954381" cy="523220"/>
+          </a:xfrm>
+          <a:prstGeom prst="rect">
+            <a:avLst/>
+          </a:prstGeom>
+          <a:noFill/>
+        </p:spPr>
+        <p:txBody>
+          <a:bodyPr wrap="none" rtlCol="0">
+            <a:spAutoFit/>
+          </a:bodyPr>
+          <a:lstStyle/>
+          <a:p>
+            <a:r>
+              <a:rPr lang="en-US" altLang="ko-KR" sz="2800">
+                <a:latin typeface="나눔스퀘어OTF Light" panose="020B0600000101010101" pitchFamily="34" charset="-127"/>
+                <a:ea typeface="나눔스퀘어OTF Light" panose="020B0600000101010101" pitchFamily="34" charset="-127"/>
+              </a:rPr>
+              <a:t>3. </a:t>
+            </a:r>
+            <a:r>
+              <a:rPr lang="ko-KR" altLang="en-US" sz="2800">
+                <a:latin typeface="나눔스퀘어OTF Light" panose="020B0600000101010101" pitchFamily="34" charset="-127"/>
+                <a:ea typeface="나눔스퀘어OTF Light" panose="020B0600000101010101" pitchFamily="34" charset="-127"/>
+              </a:rPr>
+              <a:t>수업 내용</a:t>
+            </a:r>
+          </a:p>
+        </p:txBody>
+      </p:sp>
+      <p:cxnSp>
+        <p:nvCxnSpPr>
+          <p:cNvPr id="4" name="직선 연결선 3">
+            <a:extLst>
+              <a:ext uri="{FF2B5EF4-FFF2-40B4-BE49-F238E27FC236}">
+                <a16:creationId xmlns:a16="http://schemas.microsoft.com/office/drawing/2014/main" id="{7442459B-3DED-44F0-9E4C-B50601FEB425}"/>
+              </a:ext>
+            </a:extLst>
+          </p:cNvPr>
+          <p:cNvCxnSpPr>
+            <a:cxnSpLocks/>
+          </p:cNvCxnSpPr>
+          <p:nvPr/>
+        </p:nvCxnSpPr>
+        <p:spPr>
+          <a:xfrm>
+            <a:off x="132133" y="780690"/>
+            <a:ext cx="819295" cy="0"/>
+          </a:xfrm>
+          <a:prstGeom prst="line">
+            <a:avLst/>
+          </a:prstGeom>
+          <a:ln>
+            <a:solidFill>
+              <a:schemeClr val="tx1"/>
+            </a:solidFill>
+          </a:ln>
+        </p:spPr>
+        <p:style>
+          <a:lnRef idx="1">
+            <a:schemeClr val="accent1"/>
+          </a:lnRef>
+          <a:fillRef idx="0">
+            <a:schemeClr val="accent1"/>
+          </a:fillRef>
+          <a:effectRef idx="0">
+            <a:schemeClr val="accent1"/>
+          </a:effectRef>
+          <a:fontRef idx="minor">
+            <a:schemeClr val="tx1"/>
+          </a:fontRef>
+        </p:style>
+      </p:cxnSp>
+      <p:sp>
+        <p:nvSpPr>
+          <p:cNvPr id="11" name="TextBox 10">
+            <a:extLst>
+              <a:ext uri="{FF2B5EF4-FFF2-40B4-BE49-F238E27FC236}">
+                <a16:creationId xmlns:a16="http://schemas.microsoft.com/office/drawing/2014/main" id="{8FA29207-A806-45F0-A98D-5D26F0837C6A}"/>
+              </a:ext>
+            </a:extLst>
+          </p:cNvPr>
+          <p:cNvSpPr txBox="1"/>
+          <p:nvPr/>
+        </p:nvSpPr>
+        <p:spPr>
+          <a:xfrm>
+            <a:off x="1278981" y="1397352"/>
+            <a:ext cx="1082348" cy="523220"/>
+          </a:xfrm>
+          <a:prstGeom prst="rect">
+            <a:avLst/>
+          </a:prstGeom>
+          <a:noFill/>
+        </p:spPr>
+        <p:txBody>
+          <a:bodyPr wrap="none" rtlCol="0">
+            <a:spAutoFit/>
+          </a:bodyPr>
+          <a:lstStyle/>
+          <a:p>
+            <a:r>
+              <a:rPr lang="en-US" altLang="ko-KR" sz="2800">
+                <a:latin typeface="나눔스퀘어OTF Light" panose="020B0600000101010101" pitchFamily="34" charset="-127"/>
+                <a:ea typeface="나눔스퀘어OTF Light" panose="020B0600000101010101" pitchFamily="34" charset="-127"/>
+              </a:rPr>
+              <a:t>Why?</a:t>
+            </a:r>
+            <a:endParaRPr lang="ko-KR" altLang="en-US" sz="2800">
+              <a:latin typeface="나눔스퀘어OTF Light" panose="020B0600000101010101" pitchFamily="34" charset="-127"/>
+              <a:ea typeface="나눔스퀘어OTF Light" panose="020B0600000101010101" pitchFamily="34" charset="-127"/>
+            </a:endParaRPr>
+          </a:p>
+        </p:txBody>
+      </p:sp>
+      <p:sp>
+        <p:nvSpPr>
+          <p:cNvPr id="12" name="TextBox 11">
+            <a:extLst>
+              <a:ext uri="{FF2B5EF4-FFF2-40B4-BE49-F238E27FC236}">
+                <a16:creationId xmlns:a16="http://schemas.microsoft.com/office/drawing/2014/main" id="{54621B8C-B455-4333-ABAA-EEF5C53A0653}"/>
+              </a:ext>
+            </a:extLst>
+          </p:cNvPr>
+          <p:cNvSpPr txBox="1"/>
+          <p:nvPr/>
+        </p:nvSpPr>
+        <p:spPr>
+          <a:xfrm>
+            <a:off x="2923549" y="2019322"/>
+            <a:ext cx="4903907" cy="425309"/>
+          </a:xfrm>
+          <a:prstGeom prst="rect">
+            <a:avLst/>
+          </a:prstGeom>
+          <a:noFill/>
+        </p:spPr>
+        <p:txBody>
+          <a:bodyPr wrap="none" rtlCol="0">
+            <a:spAutoFit/>
+          </a:bodyPr>
+          <a:lstStyle/>
+          <a:p>
+            <a:pPr>
+              <a:lnSpc>
+                <a:spcPct val="150000"/>
+              </a:lnSpc>
+            </a:pPr>
+            <a:r>
+              <a:rPr lang="ko-KR" altLang="en-US" sz="1600">
+                <a:solidFill>
+                  <a:srgbClr val="FF0000"/>
+                </a:solidFill>
+                <a:latin typeface="나눔스퀘어OTF Light" panose="020B0600000101010101" pitchFamily="34" charset="-127"/>
+                <a:ea typeface="나눔스퀘어OTF Light" panose="020B0600000101010101" pitchFamily="34" charset="-127"/>
+              </a:rPr>
+              <a:t>객체지향의 인터페이스</a:t>
+            </a:r>
+            <a:r>
+              <a:rPr lang="ko-KR" altLang="en-US" sz="1600">
+                <a:latin typeface="나눔스퀘어OTF Light" panose="020B0600000101010101" pitchFamily="34" charset="-127"/>
+                <a:ea typeface="나눔스퀘어OTF Light" panose="020B0600000101010101" pitchFamily="34" charset="-127"/>
+              </a:rPr>
+              <a:t>를 활용한 버프와 디버프 관리하기</a:t>
+            </a:r>
+            <a:endParaRPr lang="en-US" altLang="ko-KR" sz="1600">
+              <a:latin typeface="나눔스퀘어OTF Light" panose="020B0600000101010101" pitchFamily="34" charset="-127"/>
+              <a:ea typeface="나눔스퀘어OTF Light" panose="020B0600000101010101" pitchFamily="34" charset="-127"/>
+            </a:endParaRPr>
+          </a:p>
+        </p:txBody>
+      </p:sp>
+      <p:sp>
+        <p:nvSpPr>
+          <p:cNvPr id="13" name="TextBox 12">
+            <a:extLst>
+              <a:ext uri="{FF2B5EF4-FFF2-40B4-BE49-F238E27FC236}">
+                <a16:creationId xmlns:a16="http://schemas.microsoft.com/office/drawing/2014/main" id="{9DBCC312-19A1-48EE-A1F2-95ED73C8B93A}"/>
+              </a:ext>
+            </a:extLst>
+          </p:cNvPr>
+          <p:cNvSpPr txBox="1"/>
+          <p:nvPr/>
+        </p:nvSpPr>
+        <p:spPr>
+          <a:xfrm>
+            <a:off x="2923549" y="3687309"/>
+            <a:ext cx="4025461" cy="425309"/>
+          </a:xfrm>
+          <a:prstGeom prst="rect">
+            <a:avLst/>
+          </a:prstGeom>
+          <a:noFill/>
+        </p:spPr>
+        <p:txBody>
+          <a:bodyPr wrap="none" rtlCol="0">
+            <a:spAutoFit/>
+          </a:bodyPr>
+          <a:lstStyle/>
+          <a:p>
+            <a:pPr>
+              <a:lnSpc>
+                <a:spcPct val="150000"/>
+              </a:lnSpc>
+            </a:pPr>
+            <a:r>
+              <a:rPr lang="ko-KR" altLang="en-US" sz="1600">
+                <a:solidFill>
+                  <a:srgbClr val="FF0000"/>
+                </a:solidFill>
+                <a:latin typeface="나눔스퀘어OTF Light" panose="020B0600000101010101" pitchFamily="34" charset="-127"/>
+                <a:ea typeface="나눔스퀘어OTF Light" panose="020B0600000101010101" pitchFamily="34" charset="-127"/>
+              </a:rPr>
+              <a:t>관찰자 패턴</a:t>
+            </a:r>
+            <a:r>
+              <a:rPr lang="ko-KR" altLang="en-US" sz="1600">
+                <a:latin typeface="나눔스퀘어OTF Light" panose="020B0600000101010101" pitchFamily="34" charset="-127"/>
+                <a:ea typeface="나눔스퀘어OTF Light" panose="020B0600000101010101" pitchFamily="34" charset="-127"/>
+              </a:rPr>
+              <a:t>을 이용한 퀘스트와 업적 구현하기</a:t>
+            </a:r>
+            <a:endParaRPr lang="en-US" altLang="ko-KR" sz="1600">
+              <a:latin typeface="나눔스퀘어OTF Light" panose="020B0600000101010101" pitchFamily="34" charset="-127"/>
+              <a:ea typeface="나눔스퀘어OTF Light" panose="020B0600000101010101" pitchFamily="34" charset="-127"/>
+            </a:endParaRPr>
+          </a:p>
+        </p:txBody>
+      </p:sp>
+      <p:sp>
+        <p:nvSpPr>
+          <p:cNvPr id="14" name="TextBox 13">
+            <a:extLst>
+              <a:ext uri="{FF2B5EF4-FFF2-40B4-BE49-F238E27FC236}">
+                <a16:creationId xmlns:a16="http://schemas.microsoft.com/office/drawing/2014/main" id="{20FA5868-E13F-4489-8DFC-7287C375B8DA}"/>
+              </a:ext>
+            </a:extLst>
+          </p:cNvPr>
+          <p:cNvSpPr txBox="1"/>
+          <p:nvPr/>
+        </p:nvSpPr>
+        <p:spPr>
+          <a:xfrm>
+            <a:off x="2923549" y="5355296"/>
+            <a:ext cx="4160113" cy="425309"/>
+          </a:xfrm>
+          <a:prstGeom prst="rect">
+            <a:avLst/>
+          </a:prstGeom>
+          <a:noFill/>
+        </p:spPr>
+        <p:txBody>
+          <a:bodyPr wrap="none" rtlCol="0">
+            <a:spAutoFit/>
+          </a:bodyPr>
+          <a:lstStyle/>
+          <a:p>
+            <a:pPr>
+              <a:lnSpc>
+                <a:spcPct val="150000"/>
+              </a:lnSpc>
+            </a:pPr>
+            <a:r>
+              <a:rPr lang="ko-KR" altLang="en-US" sz="1600">
+                <a:solidFill>
+                  <a:srgbClr val="FF0000"/>
+                </a:solidFill>
+                <a:latin typeface="나눔스퀘어OTF Light" panose="020B0600000101010101" pitchFamily="34" charset="-127"/>
+                <a:ea typeface="나눔스퀘어OTF Light" panose="020B0600000101010101" pitchFamily="34" charset="-127"/>
+              </a:rPr>
+              <a:t>오브젝트에 종속적이지 않는 </a:t>
+            </a:r>
+            <a:r>
+              <a:rPr lang="ko-KR" altLang="en-US" sz="1600">
+                <a:latin typeface="나눔스퀘어OTF Light" panose="020B0600000101010101" pitchFamily="34" charset="-127"/>
+                <a:ea typeface="나눔스퀘어OTF Light" panose="020B0600000101010101" pitchFamily="34" charset="-127"/>
+              </a:rPr>
+              <a:t>인벤토리 구현하기</a:t>
+            </a:r>
+            <a:endParaRPr lang="en-US" altLang="ko-KR" sz="1600">
+              <a:latin typeface="나눔스퀘어OTF Light" panose="020B0600000101010101" pitchFamily="34" charset="-127"/>
+              <a:ea typeface="나눔스퀘어OTF Light" panose="020B0600000101010101" pitchFamily="34" charset="-127"/>
+            </a:endParaRPr>
+          </a:p>
+        </p:txBody>
+      </p:sp>
+    </p:spTree>
+    <p:extLst>
+      <p:ext uri="{BB962C8B-B14F-4D97-AF65-F5344CB8AC3E}">
+        <p14:creationId xmlns:p14="http://schemas.microsoft.com/office/powerpoint/2010/main" val="3769222723"/>
+      </p:ext>
+    </p:extLst>
+  </p:cSld>
+  <p:clrMapOvr>
+    <a:masterClrMapping/>
+  </p:clrMapOvr>
+</p:sld>
+</file>
+
+<file path=ppt/slides/slide12.xml><?xml version="1.0" encoding="utf-8"?>
+<p:sld xmlns:a="http://schemas.openxmlformats.org/drawingml/2006/main" xmlns:r="http://schemas.openxmlformats.org/officeDocument/2006/relationships" xmlns:p="http://schemas.openxmlformats.org/presentationml/2006/main">
+  <p:cSld>
+    <p:spTree>
+      <p:nvGrpSpPr>
+        <p:cNvPr id="1" name=""/>
+        <p:cNvGrpSpPr/>
+        <p:nvPr/>
+      </p:nvGrpSpPr>
+      <p:grpSpPr>
+        <a:xfrm>
+          <a:off x="0" y="0"/>
+          <a:ext cx="0" cy="0"/>
+          <a:chOff x="0" y="0"/>
+          <a:chExt cx="0" cy="0"/>
+        </a:xfrm>
+      </p:grpSpPr>
+      <p:sp>
+        <p:nvSpPr>
+          <p:cNvPr id="6" name="TextBox 5">
+            <a:extLst>
+              <a:ext uri="{FF2B5EF4-FFF2-40B4-BE49-F238E27FC236}">
+                <a16:creationId xmlns:a16="http://schemas.microsoft.com/office/drawing/2014/main" id="{F453C929-8CA3-4E79-AF5D-99EC8407C6CF}"/>
+              </a:ext>
+            </a:extLst>
+          </p:cNvPr>
+          <p:cNvSpPr txBox="1"/>
+          <p:nvPr/>
+        </p:nvSpPr>
+        <p:spPr>
+          <a:xfrm>
+            <a:off x="171888" y="194702"/>
+            <a:ext cx="1954381" cy="523220"/>
+          </a:xfrm>
+          <a:prstGeom prst="rect">
+            <a:avLst/>
+          </a:prstGeom>
+          <a:noFill/>
+        </p:spPr>
+        <p:txBody>
+          <a:bodyPr wrap="none" rtlCol="0">
+            <a:spAutoFit/>
+          </a:bodyPr>
+          <a:lstStyle/>
+          <a:p>
+            <a:r>
+              <a:rPr lang="en-US" altLang="ko-KR" sz="2800">
+                <a:latin typeface="나눔스퀘어OTF Light" panose="020B0600000101010101" pitchFamily="34" charset="-127"/>
+                <a:ea typeface="나눔스퀘어OTF Light" panose="020B0600000101010101" pitchFamily="34" charset="-127"/>
+              </a:rPr>
+              <a:t>3. </a:t>
+            </a:r>
+            <a:r>
+              <a:rPr lang="ko-KR" altLang="en-US" sz="2800">
+                <a:latin typeface="나눔스퀘어OTF Light" panose="020B0600000101010101" pitchFamily="34" charset="-127"/>
+                <a:ea typeface="나눔스퀘어OTF Light" panose="020B0600000101010101" pitchFamily="34" charset="-127"/>
+              </a:rPr>
+              <a:t>수업 내용</a:t>
+            </a:r>
+          </a:p>
+        </p:txBody>
+      </p:sp>
+      <p:cxnSp>
+        <p:nvCxnSpPr>
+          <p:cNvPr id="4" name="직선 연결선 3">
+            <a:extLst>
+              <a:ext uri="{FF2B5EF4-FFF2-40B4-BE49-F238E27FC236}">
+                <a16:creationId xmlns:a16="http://schemas.microsoft.com/office/drawing/2014/main" id="{7442459B-3DED-44F0-9E4C-B50601FEB425}"/>
+              </a:ext>
+            </a:extLst>
+          </p:cNvPr>
+          <p:cNvCxnSpPr>
+            <a:cxnSpLocks/>
+          </p:cNvCxnSpPr>
+          <p:nvPr/>
+        </p:nvCxnSpPr>
+        <p:spPr>
+          <a:xfrm>
+            <a:off x="132133" y="780690"/>
+            <a:ext cx="819295" cy="0"/>
+          </a:xfrm>
+          <a:prstGeom prst="line">
+            <a:avLst/>
+          </a:prstGeom>
+          <a:ln>
+            <a:solidFill>
+              <a:schemeClr val="tx1"/>
+            </a:solidFill>
+          </a:ln>
+        </p:spPr>
+        <p:style>
+          <a:lnRef idx="1">
+            <a:schemeClr val="accent1"/>
+          </a:lnRef>
+          <a:fillRef idx="0">
+            <a:schemeClr val="accent1"/>
+          </a:fillRef>
+          <a:effectRef idx="0">
+            <a:schemeClr val="accent1"/>
+          </a:effectRef>
+          <a:fontRef idx="minor">
+            <a:schemeClr val="tx1"/>
+          </a:fontRef>
+        </p:style>
+      </p:cxnSp>
+      <p:sp>
+        <p:nvSpPr>
+          <p:cNvPr id="8" name="TextBox 7">
+            <a:extLst>
+              <a:ext uri="{FF2B5EF4-FFF2-40B4-BE49-F238E27FC236}">
+                <a16:creationId xmlns:a16="http://schemas.microsoft.com/office/drawing/2014/main" id="{95483990-5A64-41E0-9507-2F6D7E94A62D}"/>
+              </a:ext>
+            </a:extLst>
+          </p:cNvPr>
+          <p:cNvSpPr txBox="1"/>
+          <p:nvPr/>
+        </p:nvSpPr>
+        <p:spPr>
+          <a:xfrm>
+            <a:off x="2448092" y="2905780"/>
+            <a:ext cx="2820004" cy="646331"/>
+          </a:xfrm>
+          <a:prstGeom prst="rect">
+            <a:avLst/>
+          </a:prstGeom>
+          <a:noFill/>
+        </p:spPr>
+        <p:txBody>
+          <a:bodyPr wrap="none" rtlCol="0">
+            <a:spAutoFit/>
+          </a:bodyPr>
+          <a:lstStyle/>
+          <a:p>
+            <a:pPr algn="ctr"/>
+            <a:r>
+              <a:rPr lang="ko-KR" altLang="en-US" sz="3600">
+                <a:latin typeface="나눔스퀘어OTF Light" panose="020B0600000101010101" pitchFamily="34" charset="-127"/>
+                <a:ea typeface="나눔스퀘어OTF Light" panose="020B0600000101010101" pitchFamily="34" charset="-127"/>
+              </a:rPr>
+              <a:t>좋은 프로그램</a:t>
+            </a:r>
+          </a:p>
+        </p:txBody>
+      </p:sp>
+      <p:sp>
+        <p:nvSpPr>
+          <p:cNvPr id="9" name="TextBox 8">
+            <a:extLst>
+              <a:ext uri="{FF2B5EF4-FFF2-40B4-BE49-F238E27FC236}">
+                <a16:creationId xmlns:a16="http://schemas.microsoft.com/office/drawing/2014/main" id="{F25687D3-2007-49EB-8DB1-6F1A2EF86239}"/>
+              </a:ext>
+            </a:extLst>
+          </p:cNvPr>
+          <p:cNvSpPr txBox="1"/>
+          <p:nvPr/>
+        </p:nvSpPr>
+        <p:spPr>
+          <a:xfrm>
+            <a:off x="5865809" y="3044279"/>
+            <a:ext cx="460382" cy="369332"/>
+          </a:xfrm>
+          <a:prstGeom prst="rect">
+            <a:avLst/>
+          </a:prstGeom>
+          <a:noFill/>
+        </p:spPr>
+        <p:txBody>
+          <a:bodyPr wrap="none" rtlCol="0">
+            <a:spAutoFit/>
+          </a:bodyPr>
+          <a:lstStyle/>
+          <a:p>
+            <a:pPr algn="ctr"/>
+            <a:r>
+              <a:rPr lang="en-US" altLang="ko-KR">
+                <a:latin typeface="나눔스퀘어OTF Light" panose="020B0600000101010101" pitchFamily="34" charset="-127"/>
+                <a:ea typeface="나눔스퀘어OTF Light" panose="020B0600000101010101" pitchFamily="34" charset="-127"/>
+              </a:rPr>
+              <a:t>VS</a:t>
+            </a:r>
+            <a:endParaRPr lang="ko-KR" altLang="en-US">
+              <a:latin typeface="나눔스퀘어OTF Light" panose="020B0600000101010101" pitchFamily="34" charset="-127"/>
+              <a:ea typeface="나눔스퀘어OTF Light" panose="020B0600000101010101" pitchFamily="34" charset="-127"/>
+            </a:endParaRPr>
+          </a:p>
+        </p:txBody>
+      </p:sp>
+      <p:sp>
+        <p:nvSpPr>
+          <p:cNvPr id="10" name="TextBox 9">
+            <a:extLst>
+              <a:ext uri="{FF2B5EF4-FFF2-40B4-BE49-F238E27FC236}">
+                <a16:creationId xmlns:a16="http://schemas.microsoft.com/office/drawing/2014/main" id="{BBD68FC8-543A-4E09-81D4-E225C2A4EE49}"/>
+              </a:ext>
+            </a:extLst>
+          </p:cNvPr>
+          <p:cNvSpPr txBox="1"/>
+          <p:nvPr/>
+        </p:nvSpPr>
+        <p:spPr>
+          <a:xfrm>
+            <a:off x="6923904" y="2905780"/>
+            <a:ext cx="1980030" cy="646331"/>
+          </a:xfrm>
+          <a:prstGeom prst="rect">
+            <a:avLst/>
+          </a:prstGeom>
+          <a:noFill/>
+        </p:spPr>
+        <p:txBody>
+          <a:bodyPr wrap="none" rtlCol="0">
+            <a:spAutoFit/>
+          </a:bodyPr>
+          <a:lstStyle/>
+          <a:p>
+            <a:pPr algn="ctr"/>
+            <a:r>
+              <a:rPr lang="ko-KR" altLang="en-US" sz="3600">
+                <a:latin typeface="나눔스퀘어OTF Light" panose="020B0600000101010101" pitchFamily="34" charset="-127"/>
+                <a:ea typeface="나눔스퀘어OTF Light" panose="020B0600000101010101" pitchFamily="34" charset="-127"/>
+              </a:rPr>
+              <a:t>좋은 코드</a:t>
+            </a:r>
+          </a:p>
+        </p:txBody>
+      </p:sp>
+    </p:spTree>
+    <p:extLst>
+      <p:ext uri="{BB962C8B-B14F-4D97-AF65-F5344CB8AC3E}">
+        <p14:creationId xmlns:p14="http://schemas.microsoft.com/office/powerpoint/2010/main" val="3287485390"/>
+      </p:ext>
+    </p:extLst>
+  </p:cSld>
+  <p:clrMapOvr>
+    <a:masterClrMapping/>
+  </p:clrMapOvr>
+</p:sld>
+</file>
+
+<file path=ppt/slides/slide13.xml><?xml version="1.0" encoding="utf-8"?>
+<p:sld xmlns:a="http://schemas.openxmlformats.org/drawingml/2006/main" xmlns:r="http://schemas.openxmlformats.org/officeDocument/2006/relationships" xmlns:p="http://schemas.openxmlformats.org/presentationml/2006/main">
+  <p:cSld>
+    <p:spTree>
+      <p:nvGrpSpPr>
+        <p:cNvPr id="1" name=""/>
+        <p:cNvGrpSpPr/>
+        <p:nvPr/>
+      </p:nvGrpSpPr>
+      <p:grpSpPr>
+        <a:xfrm>
+          <a:off x="0" y="0"/>
+          <a:ext cx="0" cy="0"/>
+          <a:chOff x="0" y="0"/>
+          <a:chExt cx="0" cy="0"/>
+        </a:xfrm>
+      </p:grpSpPr>
+      <p:sp>
+        <p:nvSpPr>
+          <p:cNvPr id="6" name="TextBox 5">
+            <a:extLst>
+              <a:ext uri="{FF2B5EF4-FFF2-40B4-BE49-F238E27FC236}">
+                <a16:creationId xmlns:a16="http://schemas.microsoft.com/office/drawing/2014/main" id="{F453C929-8CA3-4E79-AF5D-99EC8407C6CF}"/>
+              </a:ext>
+            </a:extLst>
+          </p:cNvPr>
+          <p:cNvSpPr txBox="1"/>
+          <p:nvPr/>
+        </p:nvSpPr>
+        <p:spPr>
+          <a:xfrm>
+            <a:off x="171888" y="194702"/>
+            <a:ext cx="1954381" cy="523220"/>
+          </a:xfrm>
+          <a:prstGeom prst="rect">
+            <a:avLst/>
+          </a:prstGeom>
+          <a:noFill/>
+        </p:spPr>
+        <p:txBody>
+          <a:bodyPr wrap="none" rtlCol="0">
+            <a:spAutoFit/>
+          </a:bodyPr>
+          <a:lstStyle/>
+          <a:p>
+            <a:r>
+              <a:rPr lang="en-US" altLang="ko-KR" sz="2800">
+                <a:latin typeface="나눔스퀘어OTF Light" panose="020B0600000101010101" pitchFamily="34" charset="-127"/>
+                <a:ea typeface="나눔스퀘어OTF Light" panose="020B0600000101010101" pitchFamily="34" charset="-127"/>
+              </a:rPr>
+              <a:t>3. </a:t>
+            </a:r>
+            <a:r>
+              <a:rPr lang="ko-KR" altLang="en-US" sz="2800">
+                <a:latin typeface="나눔스퀘어OTF Light" panose="020B0600000101010101" pitchFamily="34" charset="-127"/>
+                <a:ea typeface="나눔스퀘어OTF Light" panose="020B0600000101010101" pitchFamily="34" charset="-127"/>
+              </a:rPr>
+              <a:t>수업 내용</a:t>
+            </a:r>
+          </a:p>
+        </p:txBody>
+      </p:sp>
+      <p:cxnSp>
+        <p:nvCxnSpPr>
+          <p:cNvPr id="4" name="직선 연결선 3">
+            <a:extLst>
+              <a:ext uri="{FF2B5EF4-FFF2-40B4-BE49-F238E27FC236}">
+                <a16:creationId xmlns:a16="http://schemas.microsoft.com/office/drawing/2014/main" id="{7442459B-3DED-44F0-9E4C-B50601FEB425}"/>
+              </a:ext>
+            </a:extLst>
+          </p:cNvPr>
+          <p:cNvCxnSpPr>
+            <a:cxnSpLocks/>
+          </p:cNvCxnSpPr>
+          <p:nvPr/>
+        </p:nvCxnSpPr>
+        <p:spPr>
+          <a:xfrm>
+            <a:off x="132133" y="780690"/>
+            <a:ext cx="819295" cy="0"/>
+          </a:xfrm>
+          <a:prstGeom prst="line">
+            <a:avLst/>
+          </a:prstGeom>
+          <a:ln>
+            <a:solidFill>
+              <a:schemeClr val="tx1"/>
+            </a:solidFill>
+          </a:ln>
+        </p:spPr>
+        <p:style>
+          <a:lnRef idx="1">
+            <a:schemeClr val="accent1"/>
+          </a:lnRef>
+          <a:fillRef idx="0">
+            <a:schemeClr val="accent1"/>
+          </a:fillRef>
+          <a:effectRef idx="0">
+            <a:schemeClr val="accent1"/>
+          </a:effectRef>
+          <a:fontRef idx="minor">
+            <a:schemeClr val="tx1"/>
+          </a:fontRef>
+        </p:style>
+      </p:cxnSp>
+      <p:sp>
+        <p:nvSpPr>
+          <p:cNvPr id="8" name="TextBox 7">
+            <a:extLst>
+              <a:ext uri="{FF2B5EF4-FFF2-40B4-BE49-F238E27FC236}">
+                <a16:creationId xmlns:a16="http://schemas.microsoft.com/office/drawing/2014/main" id="{95483990-5A64-41E0-9507-2F6D7E94A62D}"/>
+              </a:ext>
+            </a:extLst>
+          </p:cNvPr>
+          <p:cNvSpPr txBox="1"/>
+          <p:nvPr/>
+        </p:nvSpPr>
+        <p:spPr>
+          <a:xfrm>
+            <a:off x="1008013" y="1278316"/>
+            <a:ext cx="2236511" cy="523220"/>
+          </a:xfrm>
+          <a:prstGeom prst="rect">
+            <a:avLst/>
+          </a:prstGeom>
+          <a:noFill/>
+        </p:spPr>
+        <p:txBody>
+          <a:bodyPr wrap="none" rtlCol="0">
+            <a:spAutoFit/>
+          </a:bodyPr>
+          <a:lstStyle/>
+          <a:p>
+            <a:pPr algn="ctr"/>
+            <a:r>
+              <a:rPr lang="ko-KR" altLang="en-US" sz="2800">
+                <a:latin typeface="나눔스퀘어OTF Light" panose="020B0600000101010101" pitchFamily="34" charset="-127"/>
+                <a:ea typeface="나눔스퀘어OTF Light" panose="020B0600000101010101" pitchFamily="34" charset="-127"/>
+              </a:rPr>
+              <a:t>좋은 프로그램</a:t>
+            </a:r>
+          </a:p>
+        </p:txBody>
+      </p:sp>
+      <p:sp>
+        <p:nvSpPr>
+          <p:cNvPr id="7" name="TextBox 6">
+            <a:extLst>
+              <a:ext uri="{FF2B5EF4-FFF2-40B4-BE49-F238E27FC236}">
+                <a16:creationId xmlns:a16="http://schemas.microsoft.com/office/drawing/2014/main" id="{C0E338AC-9919-4AEC-BF72-BB0A9021392F}"/>
+              </a:ext>
+            </a:extLst>
+          </p:cNvPr>
+          <p:cNvSpPr txBox="1"/>
+          <p:nvPr/>
+        </p:nvSpPr>
+        <p:spPr>
+          <a:xfrm>
+            <a:off x="1908481" y="1801536"/>
+            <a:ext cx="4663456" cy="425309"/>
+          </a:xfrm>
+          <a:prstGeom prst="rect">
+            <a:avLst/>
+          </a:prstGeom>
+          <a:noFill/>
+        </p:spPr>
+        <p:txBody>
+          <a:bodyPr wrap="none" rtlCol="0">
+            <a:spAutoFit/>
+          </a:bodyPr>
+          <a:lstStyle/>
+          <a:p>
+            <a:pPr>
+              <a:lnSpc>
+                <a:spcPct val="150000"/>
+              </a:lnSpc>
+            </a:pPr>
+            <a:r>
+              <a:rPr lang="ko-KR" altLang="en-US" sz="1600">
+                <a:latin typeface="나눔스퀘어OTF Light" panose="020B0600000101010101" pitchFamily="34" charset="-127"/>
+                <a:ea typeface="나눔스퀘어OTF Light" panose="020B0600000101010101" pitchFamily="34" charset="-127"/>
+              </a:rPr>
+              <a:t>정확하고</a:t>
+            </a:r>
+            <a:r>
+              <a:rPr lang="en-US" altLang="ko-KR" sz="1600">
+                <a:latin typeface="나눔스퀘어OTF Light" panose="020B0600000101010101" pitchFamily="34" charset="-127"/>
+                <a:ea typeface="나눔스퀘어OTF Light" panose="020B0600000101010101" pitchFamily="34" charset="-127"/>
+              </a:rPr>
+              <a:t>, </a:t>
+            </a:r>
+            <a:r>
+              <a:rPr lang="ko-KR" altLang="en-US" sz="1600">
+                <a:latin typeface="나눔스퀘어OTF Light" panose="020B0600000101010101" pitchFamily="34" charset="-127"/>
+                <a:ea typeface="나눔스퀘어OTF Light" panose="020B0600000101010101" pitchFamily="34" charset="-127"/>
+              </a:rPr>
+              <a:t>빠르고</a:t>
+            </a:r>
+            <a:r>
+              <a:rPr lang="en-US" altLang="ko-KR" sz="1600">
+                <a:latin typeface="나눔스퀘어OTF Light" panose="020B0600000101010101" pitchFamily="34" charset="-127"/>
+                <a:ea typeface="나눔스퀘어OTF Light" panose="020B0600000101010101" pitchFamily="34" charset="-127"/>
+              </a:rPr>
+              <a:t>, </a:t>
+            </a:r>
+            <a:r>
+              <a:rPr lang="ko-KR" altLang="en-US" sz="1600">
+                <a:latin typeface="나눔스퀘어OTF Light" panose="020B0600000101010101" pitchFamily="34" charset="-127"/>
+                <a:ea typeface="나눔스퀘어OTF Light" panose="020B0600000101010101" pitchFamily="34" charset="-127"/>
+              </a:rPr>
+              <a:t>메모리를 적게 필요로하는 프로그램</a:t>
+            </a:r>
+            <a:endParaRPr lang="en-US" altLang="ko-KR" sz="1600">
+              <a:latin typeface="나눔스퀘어OTF Light" panose="020B0600000101010101" pitchFamily="34" charset="-127"/>
+              <a:ea typeface="나눔스퀘어OTF Light" panose="020B0600000101010101" pitchFamily="34" charset="-127"/>
+            </a:endParaRPr>
+          </a:p>
+        </p:txBody>
+      </p:sp>
+      <p:sp>
+        <p:nvSpPr>
+          <p:cNvPr id="11" name="TextBox 10">
+            <a:extLst>
+              <a:ext uri="{FF2B5EF4-FFF2-40B4-BE49-F238E27FC236}">
+                <a16:creationId xmlns:a16="http://schemas.microsoft.com/office/drawing/2014/main" id="{B873508F-BB8F-423B-96B0-9BDBC91F9DF0}"/>
+              </a:ext>
+            </a:extLst>
+          </p:cNvPr>
+          <p:cNvSpPr txBox="1"/>
+          <p:nvPr/>
+        </p:nvSpPr>
+        <p:spPr>
+          <a:xfrm>
+            <a:off x="3048699" y="3182946"/>
+            <a:ext cx="6094602" cy="2308324"/>
+          </a:xfrm>
+          <a:prstGeom prst="rect">
+            <a:avLst/>
+          </a:prstGeom>
+          <a:solidFill>
+            <a:schemeClr val="tx1"/>
+          </a:solidFill>
+        </p:spPr>
+        <p:txBody>
+          <a:bodyPr wrap="square">
+            <a:spAutoFit/>
+          </a:bodyPr>
+          <a:lstStyle/>
+          <a:p>
+            <a:r>
+              <a:rPr lang="pt-BR" altLang="ko-KR" b="0">
+                <a:solidFill>
+                  <a:srgbClr val="569CD6"/>
+                </a:solidFill>
+                <a:effectLst/>
+                <a:latin typeface="Consolas" panose="020B0609020204030204" pitchFamily="49" charset="0"/>
+              </a:rPr>
+              <a:t>int</a:t>
+            </a:r>
+            <a:r>
+              <a:rPr lang="pt-BR" altLang="ko-KR" b="0">
+                <a:solidFill>
+                  <a:srgbClr val="D4D4D4"/>
+                </a:solidFill>
+                <a:effectLst/>
+                <a:latin typeface="Consolas" panose="020B0609020204030204" pitchFamily="49" charset="0"/>
+              </a:rPr>
+              <a:t> </a:t>
+            </a:r>
+            <a:r>
+              <a:rPr lang="pt-BR" altLang="ko-KR" b="0">
+                <a:solidFill>
+                  <a:srgbClr val="DCDCAA"/>
+                </a:solidFill>
+                <a:effectLst/>
+                <a:latin typeface="Consolas" panose="020B0609020204030204" pitchFamily="49" charset="0"/>
+              </a:rPr>
+              <a:t>main</a:t>
+            </a:r>
+            <a:r>
+              <a:rPr lang="pt-BR" altLang="ko-KR" b="0">
+                <a:solidFill>
+                  <a:srgbClr val="D4D4D4"/>
+                </a:solidFill>
+                <a:effectLst/>
+                <a:latin typeface="Consolas" panose="020B0609020204030204" pitchFamily="49" charset="0"/>
+              </a:rPr>
+              <a:t>()</a:t>
+            </a:r>
+          </a:p>
+          <a:p>
+            <a:r>
+              <a:rPr lang="pt-BR" altLang="ko-KR" b="0">
+                <a:solidFill>
+                  <a:srgbClr val="D4D4D4"/>
+                </a:solidFill>
+                <a:effectLst/>
+                <a:latin typeface="Consolas" panose="020B0609020204030204" pitchFamily="49" charset="0"/>
+              </a:rPr>
+              <a:t>{</a:t>
+            </a:r>
+          </a:p>
+          <a:p>
+            <a:r>
+              <a:rPr lang="pt-BR" altLang="ko-KR" b="0">
+                <a:solidFill>
+                  <a:srgbClr val="D4D4D4"/>
+                </a:solidFill>
+                <a:effectLst/>
+                <a:latin typeface="Consolas" panose="020B0609020204030204" pitchFamily="49" charset="0"/>
+              </a:rPr>
+              <a:t>    </a:t>
+            </a:r>
+            <a:r>
+              <a:rPr lang="pt-BR" altLang="ko-KR" b="0">
+                <a:solidFill>
+                  <a:srgbClr val="DCDCAA"/>
+                </a:solidFill>
+                <a:effectLst/>
+                <a:latin typeface="Consolas" panose="020B0609020204030204" pitchFamily="49" charset="0"/>
+              </a:rPr>
+              <a:t>printf</a:t>
+            </a:r>
+            <a:r>
+              <a:rPr lang="pt-BR" altLang="ko-KR" b="0">
+                <a:solidFill>
+                  <a:srgbClr val="D4D4D4"/>
+                </a:solidFill>
+                <a:effectLst/>
+                <a:latin typeface="Consolas" panose="020B0609020204030204" pitchFamily="49" charset="0"/>
+              </a:rPr>
+              <a:t>(</a:t>
+            </a:r>
+            <a:r>
+              <a:rPr lang="pt-BR" altLang="ko-KR" b="0">
+                <a:solidFill>
+                  <a:srgbClr val="CE9178"/>
+                </a:solidFill>
+                <a:effectLst/>
+                <a:latin typeface="Consolas" panose="020B0609020204030204" pitchFamily="49" charset="0"/>
+              </a:rPr>
+              <a:t>"*</a:t>
+            </a:r>
+            <a:r>
+              <a:rPr lang="pt-BR" altLang="ko-KR" b="0">
+                <a:solidFill>
+                  <a:srgbClr val="D7BA7D"/>
+                </a:solidFill>
+                <a:effectLst/>
+                <a:latin typeface="Consolas" panose="020B0609020204030204" pitchFamily="49" charset="0"/>
+              </a:rPr>
+              <a:t>\n</a:t>
+            </a:r>
+            <a:r>
+              <a:rPr lang="pt-BR" altLang="ko-KR" b="0">
+                <a:solidFill>
+                  <a:srgbClr val="CE9178"/>
+                </a:solidFill>
+                <a:effectLst/>
+                <a:latin typeface="Consolas" panose="020B0609020204030204" pitchFamily="49" charset="0"/>
+              </a:rPr>
+              <a:t>"</a:t>
+            </a:r>
+            <a:r>
+              <a:rPr lang="pt-BR" altLang="ko-KR" b="0">
+                <a:solidFill>
+                  <a:srgbClr val="D4D4D4"/>
+                </a:solidFill>
+                <a:effectLst/>
+                <a:latin typeface="Consolas" panose="020B0609020204030204" pitchFamily="49" charset="0"/>
+              </a:rPr>
+              <a:t>);</a:t>
+            </a:r>
+          </a:p>
+          <a:p>
+            <a:r>
+              <a:rPr lang="pt-BR" altLang="ko-KR" b="0">
+                <a:solidFill>
+                  <a:srgbClr val="D4D4D4"/>
+                </a:solidFill>
+                <a:effectLst/>
+                <a:latin typeface="Consolas" panose="020B0609020204030204" pitchFamily="49" charset="0"/>
+              </a:rPr>
+              <a:t>    </a:t>
+            </a:r>
+            <a:r>
+              <a:rPr lang="pt-BR" altLang="ko-KR" b="0">
+                <a:solidFill>
+                  <a:srgbClr val="DCDCAA"/>
+                </a:solidFill>
+                <a:effectLst/>
+                <a:latin typeface="Consolas" panose="020B0609020204030204" pitchFamily="49" charset="0"/>
+              </a:rPr>
+              <a:t>printf</a:t>
+            </a:r>
+            <a:r>
+              <a:rPr lang="pt-BR" altLang="ko-KR" b="0">
+                <a:solidFill>
+                  <a:srgbClr val="D4D4D4"/>
+                </a:solidFill>
+                <a:effectLst/>
+                <a:latin typeface="Consolas" panose="020B0609020204030204" pitchFamily="49" charset="0"/>
+              </a:rPr>
+              <a:t>(</a:t>
+            </a:r>
+            <a:r>
+              <a:rPr lang="pt-BR" altLang="ko-KR" b="0">
+                <a:solidFill>
+                  <a:srgbClr val="CE9178"/>
+                </a:solidFill>
+                <a:effectLst/>
+                <a:latin typeface="Consolas" panose="020B0609020204030204" pitchFamily="49" charset="0"/>
+              </a:rPr>
+              <a:t>"**</a:t>
+            </a:r>
+            <a:r>
+              <a:rPr lang="pt-BR" altLang="ko-KR" b="0">
+                <a:solidFill>
+                  <a:srgbClr val="D7BA7D"/>
+                </a:solidFill>
+                <a:effectLst/>
+                <a:latin typeface="Consolas" panose="020B0609020204030204" pitchFamily="49" charset="0"/>
+              </a:rPr>
+              <a:t>\n</a:t>
+            </a:r>
+            <a:r>
+              <a:rPr lang="pt-BR" altLang="ko-KR" b="0">
+                <a:solidFill>
+                  <a:srgbClr val="CE9178"/>
+                </a:solidFill>
+                <a:effectLst/>
+                <a:latin typeface="Consolas" panose="020B0609020204030204" pitchFamily="49" charset="0"/>
+              </a:rPr>
+              <a:t>"</a:t>
+            </a:r>
+            <a:r>
+              <a:rPr lang="pt-BR" altLang="ko-KR" b="0">
+                <a:solidFill>
+                  <a:srgbClr val="D4D4D4"/>
+                </a:solidFill>
+                <a:effectLst/>
+                <a:latin typeface="Consolas" panose="020B0609020204030204" pitchFamily="49" charset="0"/>
+              </a:rPr>
+              <a:t>);</a:t>
+            </a:r>
+          </a:p>
+          <a:p>
+            <a:r>
+              <a:rPr lang="pt-BR" altLang="ko-KR" b="0">
+                <a:solidFill>
+                  <a:srgbClr val="D4D4D4"/>
+                </a:solidFill>
+                <a:effectLst/>
+                <a:latin typeface="Consolas" panose="020B0609020204030204" pitchFamily="49" charset="0"/>
+              </a:rPr>
+              <a:t>    </a:t>
+            </a:r>
+            <a:r>
+              <a:rPr lang="pt-BR" altLang="ko-KR" b="0">
+                <a:solidFill>
+                  <a:srgbClr val="DCDCAA"/>
+                </a:solidFill>
+                <a:effectLst/>
+                <a:latin typeface="Consolas" panose="020B0609020204030204" pitchFamily="49" charset="0"/>
+              </a:rPr>
+              <a:t>printf</a:t>
+            </a:r>
+            <a:r>
+              <a:rPr lang="pt-BR" altLang="ko-KR" b="0">
+                <a:solidFill>
+                  <a:srgbClr val="D4D4D4"/>
+                </a:solidFill>
+                <a:effectLst/>
+                <a:latin typeface="Consolas" panose="020B0609020204030204" pitchFamily="49" charset="0"/>
+              </a:rPr>
+              <a:t>(</a:t>
+            </a:r>
+            <a:r>
+              <a:rPr lang="pt-BR" altLang="ko-KR" b="0">
+                <a:solidFill>
+                  <a:srgbClr val="CE9178"/>
+                </a:solidFill>
+                <a:effectLst/>
+                <a:latin typeface="Consolas" panose="020B0609020204030204" pitchFamily="49" charset="0"/>
+              </a:rPr>
+              <a:t>"***</a:t>
+            </a:r>
+            <a:r>
+              <a:rPr lang="pt-BR" altLang="ko-KR" b="0">
+                <a:solidFill>
+                  <a:srgbClr val="D7BA7D"/>
+                </a:solidFill>
+                <a:effectLst/>
+                <a:latin typeface="Consolas" panose="020B0609020204030204" pitchFamily="49" charset="0"/>
+              </a:rPr>
+              <a:t>\n</a:t>
+            </a:r>
+            <a:r>
+              <a:rPr lang="pt-BR" altLang="ko-KR" b="0">
+                <a:solidFill>
+                  <a:srgbClr val="CE9178"/>
+                </a:solidFill>
+                <a:effectLst/>
+                <a:latin typeface="Consolas" panose="020B0609020204030204" pitchFamily="49" charset="0"/>
+              </a:rPr>
+              <a:t>"</a:t>
+            </a:r>
+            <a:r>
+              <a:rPr lang="pt-BR" altLang="ko-KR" b="0">
+                <a:solidFill>
+                  <a:srgbClr val="D4D4D4"/>
+                </a:solidFill>
+                <a:effectLst/>
+                <a:latin typeface="Consolas" panose="020B0609020204030204" pitchFamily="49" charset="0"/>
+              </a:rPr>
+              <a:t>);</a:t>
+            </a:r>
+          </a:p>
+          <a:p>
+            <a:r>
+              <a:rPr lang="pt-BR" altLang="ko-KR" b="0">
+                <a:solidFill>
+                  <a:srgbClr val="D4D4D4"/>
+                </a:solidFill>
+                <a:effectLst/>
+                <a:latin typeface="Consolas" panose="020B0609020204030204" pitchFamily="49" charset="0"/>
+              </a:rPr>
+              <a:t>    </a:t>
+            </a:r>
+            <a:r>
+              <a:rPr lang="pt-BR" altLang="ko-KR" b="0">
+                <a:solidFill>
+                  <a:srgbClr val="DCDCAA"/>
+                </a:solidFill>
+                <a:effectLst/>
+                <a:latin typeface="Consolas" panose="020B0609020204030204" pitchFamily="49" charset="0"/>
+              </a:rPr>
+              <a:t>printf</a:t>
+            </a:r>
+            <a:r>
+              <a:rPr lang="pt-BR" altLang="ko-KR" b="0">
+                <a:solidFill>
+                  <a:srgbClr val="D4D4D4"/>
+                </a:solidFill>
+                <a:effectLst/>
+                <a:latin typeface="Consolas" panose="020B0609020204030204" pitchFamily="49" charset="0"/>
+              </a:rPr>
+              <a:t>(</a:t>
+            </a:r>
+            <a:r>
+              <a:rPr lang="pt-BR" altLang="ko-KR" b="0">
+                <a:solidFill>
+                  <a:srgbClr val="CE9178"/>
+                </a:solidFill>
+                <a:effectLst/>
+                <a:latin typeface="Consolas" panose="020B0609020204030204" pitchFamily="49" charset="0"/>
+              </a:rPr>
+              <a:t>"****</a:t>
+            </a:r>
+            <a:r>
+              <a:rPr lang="pt-BR" altLang="ko-KR" b="0">
+                <a:solidFill>
+                  <a:srgbClr val="D7BA7D"/>
+                </a:solidFill>
+                <a:effectLst/>
+                <a:latin typeface="Consolas" panose="020B0609020204030204" pitchFamily="49" charset="0"/>
+              </a:rPr>
+              <a:t>\n</a:t>
+            </a:r>
+            <a:r>
+              <a:rPr lang="pt-BR" altLang="ko-KR" b="0">
+                <a:solidFill>
+                  <a:srgbClr val="CE9178"/>
+                </a:solidFill>
+                <a:effectLst/>
+                <a:latin typeface="Consolas" panose="020B0609020204030204" pitchFamily="49" charset="0"/>
+              </a:rPr>
+              <a:t>"</a:t>
+            </a:r>
+            <a:r>
+              <a:rPr lang="pt-BR" altLang="ko-KR" b="0">
+                <a:solidFill>
+                  <a:srgbClr val="D4D4D4"/>
+                </a:solidFill>
+                <a:effectLst/>
+                <a:latin typeface="Consolas" panose="020B0609020204030204" pitchFamily="49" charset="0"/>
+              </a:rPr>
+              <a:t>);</a:t>
+            </a:r>
+          </a:p>
+          <a:p>
+            <a:r>
+              <a:rPr lang="pt-BR" altLang="ko-KR" b="0">
+                <a:solidFill>
+                  <a:srgbClr val="D4D4D4"/>
+                </a:solidFill>
+                <a:effectLst/>
+                <a:latin typeface="Consolas" panose="020B0609020204030204" pitchFamily="49" charset="0"/>
+              </a:rPr>
+              <a:t>    </a:t>
+            </a:r>
+            <a:r>
+              <a:rPr lang="pt-BR" altLang="ko-KR" b="0">
+                <a:solidFill>
+                  <a:srgbClr val="DCDCAA"/>
+                </a:solidFill>
+                <a:effectLst/>
+                <a:latin typeface="Consolas" panose="020B0609020204030204" pitchFamily="49" charset="0"/>
+              </a:rPr>
+              <a:t>printf</a:t>
+            </a:r>
+            <a:r>
+              <a:rPr lang="pt-BR" altLang="ko-KR" b="0">
+                <a:solidFill>
+                  <a:srgbClr val="D4D4D4"/>
+                </a:solidFill>
+                <a:effectLst/>
+                <a:latin typeface="Consolas" panose="020B0609020204030204" pitchFamily="49" charset="0"/>
+              </a:rPr>
+              <a:t>(</a:t>
+            </a:r>
+            <a:r>
+              <a:rPr lang="pt-BR" altLang="ko-KR" b="0">
+                <a:solidFill>
+                  <a:srgbClr val="CE9178"/>
+                </a:solidFill>
+                <a:effectLst/>
+                <a:latin typeface="Consolas" panose="020B0609020204030204" pitchFamily="49" charset="0"/>
+              </a:rPr>
+              <a:t>"*****</a:t>
+            </a:r>
+            <a:r>
+              <a:rPr lang="pt-BR" altLang="ko-KR" b="0">
+                <a:solidFill>
+                  <a:srgbClr val="D7BA7D"/>
+                </a:solidFill>
+                <a:effectLst/>
+                <a:latin typeface="Consolas" panose="020B0609020204030204" pitchFamily="49" charset="0"/>
+              </a:rPr>
+              <a:t>\n</a:t>
+            </a:r>
+            <a:r>
+              <a:rPr lang="pt-BR" altLang="ko-KR" b="0">
+                <a:solidFill>
+                  <a:srgbClr val="CE9178"/>
+                </a:solidFill>
+                <a:effectLst/>
+                <a:latin typeface="Consolas" panose="020B0609020204030204" pitchFamily="49" charset="0"/>
+              </a:rPr>
+              <a:t>"</a:t>
+            </a:r>
+            <a:r>
+              <a:rPr lang="pt-BR" altLang="ko-KR" b="0">
+                <a:solidFill>
+                  <a:srgbClr val="D4D4D4"/>
+                </a:solidFill>
+                <a:effectLst/>
+                <a:latin typeface="Consolas" panose="020B0609020204030204" pitchFamily="49" charset="0"/>
+              </a:rPr>
+              <a:t>);</a:t>
+            </a:r>
+          </a:p>
+          <a:p>
+            <a:r>
+              <a:rPr lang="pt-BR" altLang="ko-KR" b="0">
+                <a:solidFill>
+                  <a:srgbClr val="D4D4D4"/>
+                </a:solidFill>
+                <a:effectLst/>
+                <a:latin typeface="Consolas" panose="020B0609020204030204" pitchFamily="49" charset="0"/>
+              </a:rPr>
+              <a:t>}</a:t>
+            </a:r>
+          </a:p>
+        </p:txBody>
+      </p:sp>
+    </p:spTree>
+    <p:extLst>
+      <p:ext uri="{BB962C8B-B14F-4D97-AF65-F5344CB8AC3E}">
+        <p14:creationId xmlns:p14="http://schemas.microsoft.com/office/powerpoint/2010/main" val="2516426558"/>
+      </p:ext>
+    </p:extLst>
+  </p:cSld>
+  <p:clrMapOvr>
+    <a:masterClrMapping/>
+  </p:clrMapOvr>
+</p:sld>
+</file>
+
+<file path=ppt/slides/slide14.xml><?xml version="1.0" encoding="utf-8"?>
+<p:sld xmlns:a="http://schemas.openxmlformats.org/drawingml/2006/main" xmlns:r="http://schemas.openxmlformats.org/officeDocument/2006/relationships" xmlns:p="http://schemas.openxmlformats.org/presentationml/2006/main">
+  <p:cSld>
+    <p:spTree>
+      <p:nvGrpSpPr>
+        <p:cNvPr id="1" name=""/>
+        <p:cNvGrpSpPr/>
+        <p:nvPr/>
+      </p:nvGrpSpPr>
+      <p:grpSpPr>
+        <a:xfrm>
+          <a:off x="0" y="0"/>
+          <a:ext cx="0" cy="0"/>
+          <a:chOff x="0" y="0"/>
+          <a:chExt cx="0" cy="0"/>
+        </a:xfrm>
+      </p:grpSpPr>
+      <p:sp>
+        <p:nvSpPr>
+          <p:cNvPr id="6" name="TextBox 5">
+            <a:extLst>
+              <a:ext uri="{FF2B5EF4-FFF2-40B4-BE49-F238E27FC236}">
+                <a16:creationId xmlns:a16="http://schemas.microsoft.com/office/drawing/2014/main" id="{F453C929-8CA3-4E79-AF5D-99EC8407C6CF}"/>
+              </a:ext>
+            </a:extLst>
+          </p:cNvPr>
+          <p:cNvSpPr txBox="1"/>
+          <p:nvPr/>
+        </p:nvSpPr>
+        <p:spPr>
+          <a:xfrm>
+            <a:off x="171888" y="194702"/>
+            <a:ext cx="1954381" cy="523220"/>
+          </a:xfrm>
+          <a:prstGeom prst="rect">
+            <a:avLst/>
+          </a:prstGeom>
+          <a:noFill/>
+        </p:spPr>
+        <p:txBody>
+          <a:bodyPr wrap="none" rtlCol="0">
+            <a:spAutoFit/>
+          </a:bodyPr>
+          <a:lstStyle/>
+          <a:p>
+            <a:r>
+              <a:rPr lang="en-US" altLang="ko-KR" sz="2800">
+                <a:latin typeface="나눔스퀘어OTF Light" panose="020B0600000101010101" pitchFamily="34" charset="-127"/>
+                <a:ea typeface="나눔스퀘어OTF Light" panose="020B0600000101010101" pitchFamily="34" charset="-127"/>
+              </a:rPr>
+              <a:t>3. </a:t>
+            </a:r>
+            <a:r>
+              <a:rPr lang="ko-KR" altLang="en-US" sz="2800">
+                <a:latin typeface="나눔스퀘어OTF Light" panose="020B0600000101010101" pitchFamily="34" charset="-127"/>
+                <a:ea typeface="나눔스퀘어OTF Light" panose="020B0600000101010101" pitchFamily="34" charset="-127"/>
+              </a:rPr>
+              <a:t>수업 내용</a:t>
+            </a:r>
+          </a:p>
+        </p:txBody>
+      </p:sp>
+      <p:cxnSp>
+        <p:nvCxnSpPr>
+          <p:cNvPr id="4" name="직선 연결선 3">
+            <a:extLst>
+              <a:ext uri="{FF2B5EF4-FFF2-40B4-BE49-F238E27FC236}">
+                <a16:creationId xmlns:a16="http://schemas.microsoft.com/office/drawing/2014/main" id="{7442459B-3DED-44F0-9E4C-B50601FEB425}"/>
+              </a:ext>
+            </a:extLst>
+          </p:cNvPr>
+          <p:cNvCxnSpPr>
+            <a:cxnSpLocks/>
+          </p:cNvCxnSpPr>
+          <p:nvPr/>
+        </p:nvCxnSpPr>
+        <p:spPr>
+          <a:xfrm>
+            <a:off x="132133" y="780690"/>
+            <a:ext cx="819295" cy="0"/>
+          </a:xfrm>
+          <a:prstGeom prst="line">
+            <a:avLst/>
+          </a:prstGeom>
+          <a:ln>
+            <a:solidFill>
+              <a:schemeClr val="tx1"/>
+            </a:solidFill>
+          </a:ln>
+        </p:spPr>
+        <p:style>
+          <a:lnRef idx="1">
+            <a:schemeClr val="accent1"/>
+          </a:lnRef>
+          <a:fillRef idx="0">
+            <a:schemeClr val="accent1"/>
+          </a:fillRef>
+          <a:effectRef idx="0">
+            <a:schemeClr val="accent1"/>
+          </a:effectRef>
+          <a:fontRef idx="minor">
+            <a:schemeClr val="tx1"/>
+          </a:fontRef>
+        </p:style>
+      </p:cxnSp>
+      <p:sp>
+        <p:nvSpPr>
+          <p:cNvPr id="8" name="TextBox 7">
+            <a:extLst>
+              <a:ext uri="{FF2B5EF4-FFF2-40B4-BE49-F238E27FC236}">
+                <a16:creationId xmlns:a16="http://schemas.microsoft.com/office/drawing/2014/main" id="{95483990-5A64-41E0-9507-2F6D7E94A62D}"/>
+              </a:ext>
+            </a:extLst>
+          </p:cNvPr>
+          <p:cNvSpPr txBox="1"/>
+          <p:nvPr/>
+        </p:nvSpPr>
+        <p:spPr>
+          <a:xfrm>
+            <a:off x="1335028" y="1278316"/>
+            <a:ext cx="1582484" cy="523220"/>
+          </a:xfrm>
+          <a:prstGeom prst="rect">
+            <a:avLst/>
+          </a:prstGeom>
+          <a:noFill/>
+        </p:spPr>
+        <p:txBody>
+          <a:bodyPr wrap="none" rtlCol="0">
+            <a:spAutoFit/>
+          </a:bodyPr>
+          <a:lstStyle/>
+          <a:p>
+            <a:pPr algn="ctr"/>
+            <a:r>
+              <a:rPr lang="ko-KR" altLang="en-US" sz="2800">
+                <a:latin typeface="나눔스퀘어OTF Light" panose="020B0600000101010101" pitchFamily="34" charset="-127"/>
+                <a:ea typeface="나눔스퀘어OTF Light" panose="020B0600000101010101" pitchFamily="34" charset="-127"/>
+              </a:rPr>
+              <a:t>좋은 코드</a:t>
+            </a:r>
+          </a:p>
+        </p:txBody>
+      </p:sp>
+      <p:sp>
+        <p:nvSpPr>
+          <p:cNvPr id="7" name="TextBox 6">
+            <a:extLst>
+              <a:ext uri="{FF2B5EF4-FFF2-40B4-BE49-F238E27FC236}">
+                <a16:creationId xmlns:a16="http://schemas.microsoft.com/office/drawing/2014/main" id="{C0E338AC-9919-4AEC-BF72-BB0A9021392F}"/>
+              </a:ext>
+            </a:extLst>
+          </p:cNvPr>
+          <p:cNvSpPr txBox="1"/>
+          <p:nvPr/>
+        </p:nvSpPr>
+        <p:spPr>
+          <a:xfrm>
+            <a:off x="1908481" y="1801536"/>
+            <a:ext cx="5272597" cy="425309"/>
+          </a:xfrm>
+          <a:prstGeom prst="rect">
+            <a:avLst/>
+          </a:prstGeom>
+          <a:noFill/>
+        </p:spPr>
+        <p:txBody>
+          <a:bodyPr wrap="none" rtlCol="0">
+            <a:spAutoFit/>
+          </a:bodyPr>
+          <a:lstStyle/>
+          <a:p>
+            <a:pPr>
+              <a:lnSpc>
+                <a:spcPct val="150000"/>
+              </a:lnSpc>
+            </a:pPr>
+            <a:r>
+              <a:rPr lang="ko-KR" altLang="en-US" sz="1600">
+                <a:latin typeface="나눔스퀘어OTF Light" panose="020B0600000101010101" pitchFamily="34" charset="-127"/>
+                <a:ea typeface="나눔스퀘어OTF Light" panose="020B0600000101010101" pitchFamily="34" charset="-127"/>
+              </a:rPr>
+              <a:t>특정 상황에 종속적이지 않고</a:t>
+            </a:r>
+            <a:r>
+              <a:rPr lang="en-US" altLang="ko-KR" sz="1600">
+                <a:latin typeface="나눔스퀘어OTF Light" panose="020B0600000101010101" pitchFamily="34" charset="-127"/>
+                <a:ea typeface="나눔스퀘어OTF Light" panose="020B0600000101010101" pitchFamily="34" charset="-127"/>
+              </a:rPr>
+              <a:t>, </a:t>
+            </a:r>
+            <a:r>
+              <a:rPr lang="ko-KR" altLang="en-US" sz="1600">
+                <a:latin typeface="나눔스퀘어OTF Light" panose="020B0600000101010101" pitchFamily="34" charset="-127"/>
+                <a:ea typeface="나눔스퀘어OTF Light" panose="020B0600000101010101" pitchFamily="34" charset="-127"/>
+              </a:rPr>
+              <a:t>재활용성이 높고</a:t>
+            </a:r>
+            <a:r>
+              <a:rPr lang="en-US" altLang="ko-KR" sz="1600">
+                <a:latin typeface="나눔스퀘어OTF Light" panose="020B0600000101010101" pitchFamily="34" charset="-127"/>
+                <a:ea typeface="나눔스퀘어OTF Light" panose="020B0600000101010101" pitchFamily="34" charset="-127"/>
+              </a:rPr>
+              <a:t>, </a:t>
+            </a:r>
+            <a:r>
+              <a:rPr lang="ko-KR" altLang="en-US" sz="1600">
+                <a:latin typeface="나눔스퀘어OTF Light" panose="020B0600000101010101" pitchFamily="34" charset="-127"/>
+                <a:ea typeface="나눔스퀘어OTF Light" panose="020B0600000101010101" pitchFamily="34" charset="-127"/>
+              </a:rPr>
+              <a:t>구조적인 코드</a:t>
+            </a:r>
+            <a:endParaRPr lang="en-US" altLang="ko-KR" sz="1600">
+              <a:latin typeface="나눔스퀘어OTF Light" panose="020B0600000101010101" pitchFamily="34" charset="-127"/>
+              <a:ea typeface="나눔스퀘어OTF Light" panose="020B0600000101010101" pitchFamily="34" charset="-127"/>
+            </a:endParaRPr>
+          </a:p>
+        </p:txBody>
+      </p:sp>
+      <p:sp>
+        <p:nvSpPr>
+          <p:cNvPr id="9" name="TextBox 8">
+            <a:extLst>
+              <a:ext uri="{FF2B5EF4-FFF2-40B4-BE49-F238E27FC236}">
+                <a16:creationId xmlns:a16="http://schemas.microsoft.com/office/drawing/2014/main" id="{11B557E3-E4B8-43E4-A24B-4D15764BAE01}"/>
+              </a:ext>
+            </a:extLst>
+          </p:cNvPr>
+          <p:cNvSpPr txBox="1"/>
+          <p:nvPr/>
+        </p:nvSpPr>
+        <p:spPr>
+          <a:xfrm>
+            <a:off x="3048699" y="3191335"/>
+            <a:ext cx="6094602" cy="2585323"/>
+          </a:xfrm>
+          <a:prstGeom prst="rect">
+            <a:avLst/>
+          </a:prstGeom>
+          <a:solidFill>
+            <a:schemeClr val="tx1"/>
+          </a:solidFill>
+        </p:spPr>
+        <p:txBody>
+          <a:bodyPr wrap="square">
+            <a:spAutoFit/>
+          </a:bodyPr>
+          <a:lstStyle/>
+          <a:p>
+            <a:r>
+              <a:rPr lang="en-US" altLang="ko-KR" b="0">
+                <a:solidFill>
+                  <a:srgbClr val="569CD6"/>
+                </a:solidFill>
+                <a:effectLst/>
+                <a:latin typeface="Consolas" panose="020B0609020204030204" pitchFamily="49" charset="0"/>
+              </a:rPr>
+              <a:t>void</a:t>
+            </a:r>
+            <a:r>
+              <a:rPr lang="en-US" altLang="ko-KR" b="0">
+                <a:solidFill>
+                  <a:srgbClr val="D4D4D4"/>
+                </a:solidFill>
+                <a:effectLst/>
+                <a:latin typeface="Consolas" panose="020B0609020204030204" pitchFamily="49" charset="0"/>
+              </a:rPr>
+              <a:t> </a:t>
+            </a:r>
+            <a:r>
+              <a:rPr lang="en-US" altLang="ko-KR" b="0">
+                <a:solidFill>
+                  <a:srgbClr val="DCDCAA"/>
+                </a:solidFill>
+                <a:effectLst/>
+                <a:latin typeface="Consolas" panose="020B0609020204030204" pitchFamily="49" charset="0"/>
+              </a:rPr>
+              <a:t>printStar</a:t>
+            </a:r>
+            <a:r>
+              <a:rPr lang="en-US" altLang="ko-KR" b="0">
+                <a:solidFill>
+                  <a:srgbClr val="D4D4D4"/>
+                </a:solidFill>
+                <a:effectLst/>
+                <a:latin typeface="Consolas" panose="020B0609020204030204" pitchFamily="49" charset="0"/>
+              </a:rPr>
+              <a:t>(</a:t>
+            </a:r>
+            <a:r>
+              <a:rPr lang="en-US" altLang="ko-KR" b="0">
+                <a:solidFill>
+                  <a:srgbClr val="569CD6"/>
+                </a:solidFill>
+                <a:effectLst/>
+                <a:latin typeface="Consolas" panose="020B0609020204030204" pitchFamily="49" charset="0"/>
+              </a:rPr>
+              <a:t>int</a:t>
+            </a:r>
+            <a:r>
+              <a:rPr lang="en-US" altLang="ko-KR" b="0">
+                <a:solidFill>
+                  <a:srgbClr val="D4D4D4"/>
+                </a:solidFill>
+                <a:effectLst/>
+                <a:latin typeface="Consolas" panose="020B0609020204030204" pitchFamily="49" charset="0"/>
+              </a:rPr>
+              <a:t> </a:t>
+            </a:r>
+            <a:r>
+              <a:rPr lang="en-US" altLang="ko-KR" b="0">
+                <a:solidFill>
+                  <a:srgbClr val="9CDCFE"/>
+                </a:solidFill>
+                <a:effectLst/>
+                <a:latin typeface="Consolas" panose="020B0609020204030204" pitchFamily="49" charset="0"/>
+              </a:rPr>
+              <a:t>row</a:t>
+            </a:r>
+            <a:r>
+              <a:rPr lang="en-US" altLang="ko-KR" b="0">
+                <a:solidFill>
+                  <a:srgbClr val="D4D4D4"/>
+                </a:solidFill>
+                <a:effectLst/>
+                <a:latin typeface="Consolas" panose="020B0609020204030204" pitchFamily="49" charset="0"/>
+              </a:rPr>
+              <a:t>)</a:t>
+            </a:r>
+          </a:p>
+          <a:p>
+            <a:r>
+              <a:rPr lang="en-US" altLang="ko-KR" b="0">
+                <a:solidFill>
+                  <a:srgbClr val="D4D4D4"/>
+                </a:solidFill>
+                <a:effectLst/>
+                <a:latin typeface="Consolas" panose="020B0609020204030204" pitchFamily="49" charset="0"/>
+              </a:rPr>
+              <a:t>{</a:t>
+            </a:r>
+          </a:p>
+          <a:p>
+            <a:r>
+              <a:rPr lang="en-US" altLang="ko-KR" b="0">
+                <a:solidFill>
+                  <a:srgbClr val="D4D4D4"/>
+                </a:solidFill>
+                <a:effectLst/>
+                <a:latin typeface="Consolas" panose="020B0609020204030204" pitchFamily="49" charset="0"/>
+              </a:rPr>
+              <a:t>    </a:t>
+            </a:r>
+            <a:r>
+              <a:rPr lang="en-US" altLang="ko-KR" b="0">
+                <a:solidFill>
+                  <a:srgbClr val="C586C0"/>
+                </a:solidFill>
+                <a:effectLst/>
+                <a:latin typeface="Consolas" panose="020B0609020204030204" pitchFamily="49" charset="0"/>
+              </a:rPr>
+              <a:t>for</a:t>
+            </a:r>
+            <a:r>
+              <a:rPr lang="en-US" altLang="ko-KR" b="0">
+                <a:solidFill>
+                  <a:srgbClr val="D4D4D4"/>
+                </a:solidFill>
+                <a:effectLst/>
+                <a:latin typeface="Consolas" panose="020B0609020204030204" pitchFamily="49" charset="0"/>
+              </a:rPr>
+              <a:t> (</a:t>
+            </a:r>
+            <a:r>
+              <a:rPr lang="en-US" altLang="ko-KR" b="0">
+                <a:solidFill>
+                  <a:srgbClr val="569CD6"/>
+                </a:solidFill>
+                <a:effectLst/>
+                <a:latin typeface="Consolas" panose="020B0609020204030204" pitchFamily="49" charset="0"/>
+              </a:rPr>
+              <a:t>int</a:t>
+            </a:r>
+            <a:r>
+              <a:rPr lang="en-US" altLang="ko-KR" b="0">
+                <a:solidFill>
+                  <a:srgbClr val="D4D4D4"/>
+                </a:solidFill>
+                <a:effectLst/>
+                <a:latin typeface="Consolas" panose="020B0609020204030204" pitchFamily="49" charset="0"/>
+              </a:rPr>
+              <a:t> i = </a:t>
+            </a:r>
+            <a:r>
+              <a:rPr lang="en-US" altLang="ko-KR" b="0">
+                <a:solidFill>
+                  <a:srgbClr val="B5CEA8"/>
+                </a:solidFill>
+                <a:effectLst/>
+                <a:latin typeface="Consolas" panose="020B0609020204030204" pitchFamily="49" charset="0"/>
+              </a:rPr>
+              <a:t>0</a:t>
+            </a:r>
+            <a:r>
+              <a:rPr lang="en-US" altLang="ko-KR" b="0">
+                <a:solidFill>
+                  <a:srgbClr val="D4D4D4"/>
+                </a:solidFill>
+                <a:effectLst/>
+                <a:latin typeface="Consolas" panose="020B0609020204030204" pitchFamily="49" charset="0"/>
+              </a:rPr>
+              <a:t>; i &lt; row; i++)</a:t>
+            </a:r>
+          </a:p>
+          <a:p>
+            <a:r>
+              <a:rPr lang="en-US" altLang="ko-KR" b="0">
+                <a:solidFill>
+                  <a:srgbClr val="D4D4D4"/>
+                </a:solidFill>
+                <a:effectLst/>
+                <a:latin typeface="Consolas" panose="020B0609020204030204" pitchFamily="49" charset="0"/>
+              </a:rPr>
+              <a:t>    {</a:t>
+            </a:r>
+          </a:p>
+          <a:p>
+            <a:r>
+              <a:rPr lang="en-US" altLang="ko-KR" b="0">
+                <a:solidFill>
+                  <a:srgbClr val="D4D4D4"/>
+                </a:solidFill>
+                <a:effectLst/>
+                <a:latin typeface="Consolas" panose="020B0609020204030204" pitchFamily="49" charset="0"/>
+              </a:rPr>
+              <a:t>        </a:t>
+            </a:r>
+            <a:r>
+              <a:rPr lang="en-US" altLang="ko-KR" b="0">
+                <a:solidFill>
+                  <a:srgbClr val="C586C0"/>
+                </a:solidFill>
+                <a:effectLst/>
+                <a:latin typeface="Consolas" panose="020B0609020204030204" pitchFamily="49" charset="0"/>
+              </a:rPr>
+              <a:t>for</a:t>
+            </a:r>
+            <a:r>
+              <a:rPr lang="en-US" altLang="ko-KR" b="0">
+                <a:solidFill>
+                  <a:srgbClr val="D4D4D4"/>
+                </a:solidFill>
+                <a:effectLst/>
+                <a:latin typeface="Consolas" panose="020B0609020204030204" pitchFamily="49" charset="0"/>
+              </a:rPr>
+              <a:t> (</a:t>
+            </a:r>
+            <a:r>
+              <a:rPr lang="en-US" altLang="ko-KR" b="0">
+                <a:solidFill>
+                  <a:srgbClr val="569CD6"/>
+                </a:solidFill>
+                <a:effectLst/>
+                <a:latin typeface="Consolas" panose="020B0609020204030204" pitchFamily="49" charset="0"/>
+              </a:rPr>
+              <a:t>int</a:t>
+            </a:r>
+            <a:r>
+              <a:rPr lang="en-US" altLang="ko-KR" b="0">
+                <a:solidFill>
+                  <a:srgbClr val="D4D4D4"/>
+                </a:solidFill>
+                <a:effectLst/>
+                <a:latin typeface="Consolas" panose="020B0609020204030204" pitchFamily="49" charset="0"/>
+              </a:rPr>
+              <a:t> j = </a:t>
+            </a:r>
+            <a:r>
+              <a:rPr lang="en-US" altLang="ko-KR" b="0">
+                <a:solidFill>
+                  <a:srgbClr val="B5CEA8"/>
+                </a:solidFill>
+                <a:effectLst/>
+                <a:latin typeface="Consolas" panose="020B0609020204030204" pitchFamily="49" charset="0"/>
+              </a:rPr>
+              <a:t>0</a:t>
+            </a:r>
+            <a:r>
+              <a:rPr lang="en-US" altLang="ko-KR" b="0">
+                <a:solidFill>
+                  <a:srgbClr val="D4D4D4"/>
+                </a:solidFill>
+                <a:effectLst/>
+                <a:latin typeface="Consolas" panose="020B0609020204030204" pitchFamily="49" charset="0"/>
+              </a:rPr>
+              <a:t>; j &lt;= i; j++)</a:t>
+            </a:r>
+          </a:p>
+          <a:p>
+            <a:r>
+              <a:rPr lang="en-US" altLang="ko-KR" b="0">
+                <a:solidFill>
+                  <a:srgbClr val="D4D4D4"/>
+                </a:solidFill>
+                <a:effectLst/>
+                <a:latin typeface="Consolas" panose="020B0609020204030204" pitchFamily="49" charset="0"/>
+              </a:rPr>
+              <a:t>            </a:t>
+            </a:r>
+            <a:r>
+              <a:rPr lang="en-US" altLang="ko-KR" b="0">
+                <a:solidFill>
+                  <a:srgbClr val="DCDCAA"/>
+                </a:solidFill>
+                <a:effectLst/>
+                <a:latin typeface="Consolas" panose="020B0609020204030204" pitchFamily="49" charset="0"/>
+              </a:rPr>
+              <a:t>printf</a:t>
+            </a:r>
+            <a:r>
+              <a:rPr lang="en-US" altLang="ko-KR" b="0">
+                <a:solidFill>
+                  <a:srgbClr val="D4D4D4"/>
+                </a:solidFill>
+                <a:effectLst/>
+                <a:latin typeface="Consolas" panose="020B0609020204030204" pitchFamily="49" charset="0"/>
+              </a:rPr>
+              <a:t>(</a:t>
+            </a:r>
+            <a:r>
+              <a:rPr lang="en-US" altLang="ko-KR" b="0">
+                <a:solidFill>
+                  <a:srgbClr val="CE9178"/>
+                </a:solidFill>
+                <a:effectLst/>
+                <a:latin typeface="Consolas" panose="020B0609020204030204" pitchFamily="49" charset="0"/>
+              </a:rPr>
+              <a:t>"*"</a:t>
+            </a:r>
+            <a:r>
+              <a:rPr lang="en-US" altLang="ko-KR" b="0">
+                <a:solidFill>
+                  <a:srgbClr val="D4D4D4"/>
+                </a:solidFill>
+                <a:effectLst/>
+                <a:latin typeface="Consolas" panose="020B0609020204030204" pitchFamily="49" charset="0"/>
+              </a:rPr>
+              <a:t>);</a:t>
+            </a:r>
+          </a:p>
+          <a:p>
+            <a:r>
+              <a:rPr lang="en-US" altLang="ko-KR" b="0">
+                <a:solidFill>
+                  <a:srgbClr val="D4D4D4"/>
+                </a:solidFill>
+                <a:effectLst/>
+                <a:latin typeface="Consolas" panose="020B0609020204030204" pitchFamily="49" charset="0"/>
+              </a:rPr>
+              <a:t>        </a:t>
+            </a:r>
+            <a:r>
+              <a:rPr lang="en-US" altLang="ko-KR" b="0">
+                <a:solidFill>
+                  <a:srgbClr val="DCDCAA"/>
+                </a:solidFill>
+                <a:effectLst/>
+                <a:latin typeface="Consolas" panose="020B0609020204030204" pitchFamily="49" charset="0"/>
+              </a:rPr>
+              <a:t>printf</a:t>
+            </a:r>
+            <a:r>
+              <a:rPr lang="en-US" altLang="ko-KR" b="0">
+                <a:solidFill>
+                  <a:srgbClr val="D4D4D4"/>
+                </a:solidFill>
+                <a:effectLst/>
+                <a:latin typeface="Consolas" panose="020B0609020204030204" pitchFamily="49" charset="0"/>
+              </a:rPr>
+              <a:t>(</a:t>
+            </a:r>
+            <a:r>
+              <a:rPr lang="en-US" altLang="ko-KR" b="0">
+                <a:solidFill>
+                  <a:srgbClr val="CE9178"/>
+                </a:solidFill>
+                <a:effectLst/>
+                <a:latin typeface="Consolas" panose="020B0609020204030204" pitchFamily="49" charset="0"/>
+              </a:rPr>
+              <a:t>"</a:t>
+            </a:r>
+            <a:r>
+              <a:rPr lang="en-US" altLang="ko-KR" b="0">
+                <a:solidFill>
+                  <a:srgbClr val="D7BA7D"/>
+                </a:solidFill>
+                <a:effectLst/>
+                <a:latin typeface="Consolas" panose="020B0609020204030204" pitchFamily="49" charset="0"/>
+              </a:rPr>
+              <a:t>\n</a:t>
+            </a:r>
+            <a:r>
+              <a:rPr lang="en-US" altLang="ko-KR" b="0">
+                <a:solidFill>
+                  <a:srgbClr val="CE9178"/>
+                </a:solidFill>
+                <a:effectLst/>
+                <a:latin typeface="Consolas" panose="020B0609020204030204" pitchFamily="49" charset="0"/>
+              </a:rPr>
+              <a:t>"</a:t>
+            </a:r>
+            <a:r>
+              <a:rPr lang="en-US" altLang="ko-KR" b="0">
+                <a:solidFill>
+                  <a:srgbClr val="D4D4D4"/>
+                </a:solidFill>
+                <a:effectLst/>
+                <a:latin typeface="Consolas" panose="020B0609020204030204" pitchFamily="49" charset="0"/>
+              </a:rPr>
+              <a:t>);</a:t>
+            </a:r>
+          </a:p>
+          <a:p>
+            <a:r>
+              <a:rPr lang="en-US" altLang="ko-KR" b="0">
+                <a:solidFill>
+                  <a:srgbClr val="D4D4D4"/>
+                </a:solidFill>
+                <a:effectLst/>
+                <a:latin typeface="Consolas" panose="020B0609020204030204" pitchFamily="49" charset="0"/>
+              </a:rPr>
+              <a:t>    }</a:t>
+            </a:r>
+          </a:p>
+          <a:p>
+            <a:r>
+              <a:rPr lang="en-US" altLang="ko-KR" b="0">
+                <a:solidFill>
+                  <a:srgbClr val="D4D4D4"/>
+                </a:solidFill>
+                <a:effectLst/>
+                <a:latin typeface="Consolas" panose="020B0609020204030204" pitchFamily="49" charset="0"/>
+              </a:rPr>
+              <a:t>}</a:t>
+            </a:r>
+          </a:p>
+        </p:txBody>
+      </p:sp>
+    </p:spTree>
+    <p:extLst>
+      <p:ext uri="{BB962C8B-B14F-4D97-AF65-F5344CB8AC3E}">
+        <p14:creationId xmlns:p14="http://schemas.microsoft.com/office/powerpoint/2010/main" val="1073627451"/>
+      </p:ext>
+    </p:extLst>
+  </p:cSld>
+  <p:clrMapOvr>
+    <a:masterClrMapping/>
+  </p:clrMapOvr>
+</p:sld>
+</file>
+
+<file path=ppt/slides/slide15.xml><?xml version="1.0" encoding="utf-8"?>
+<p:sld xmlns:a="http://schemas.openxmlformats.org/drawingml/2006/main" xmlns:r="http://schemas.openxmlformats.org/officeDocument/2006/relationships" xmlns:p="http://schemas.openxmlformats.org/presentationml/2006/main">
+  <p:cSld>
+    <p:spTree>
+      <p:nvGrpSpPr>
+        <p:cNvPr id="1" name=""/>
+        <p:cNvGrpSpPr/>
+        <p:nvPr/>
+      </p:nvGrpSpPr>
+      <p:grpSpPr>
+        <a:xfrm>
+          <a:off x="0" y="0"/>
+          <a:ext cx="0" cy="0"/>
+          <a:chOff x="0" y="0"/>
+          <a:chExt cx="0" cy="0"/>
+        </a:xfrm>
+      </p:grpSpPr>
+      <p:sp>
+        <p:nvSpPr>
           <p:cNvPr id="8" name="TextBox 7">
             <a:extLst>
               <a:ext uri="{FF2B5EF4-FFF2-40B4-BE49-F238E27FC236}">
@@ -3615,7 +5920,7 @@
 </p:sld>
 </file>
 
-<file path=ppt/slides/slide11.xml><?xml version="1.0" encoding="utf-8"?>
+<file path=ppt/slides/slide16.xml><?xml version="1.0" encoding="utf-8"?>
 <p:sld xmlns:a="http://schemas.openxmlformats.org/drawingml/2006/main" xmlns:r="http://schemas.openxmlformats.org/officeDocument/2006/relationships" xmlns:p="http://schemas.openxmlformats.org/presentationml/2006/main">
   <p:cSld>
     <p:spTree>
@@ -3801,7 +6106,7 @@
         </p:nvSpPr>
         <p:spPr>
           <a:xfrm>
-            <a:off x="5521163" y="1498717"/>
+            <a:off x="5521163" y="1943334"/>
             <a:ext cx="1149674" cy="707886"/>
           </a:xfrm>
           <a:prstGeom prst="rect">
@@ -3840,8 +6145,8 @@
         </p:nvSpPr>
         <p:spPr>
           <a:xfrm>
-            <a:off x="4452400" y="2643925"/>
-            <a:ext cx="1449436" cy="1015663"/>
+            <a:off x="4452400" y="3088542"/>
+            <a:ext cx="1449436" cy="1631216"/>
           </a:xfrm>
           <a:prstGeom prst="rect">
             <a:avLst/>
@@ -3902,6 +6207,32 @@
               <a:ea typeface="나눔스퀘어OTF Light" panose="020B0600000101010101" pitchFamily="34" charset="-127"/>
             </a:endParaRPr>
           </a:p>
+          <a:p>
+            <a:endParaRPr lang="en-US" altLang="ko-KR" sz="2000">
+              <a:latin typeface="나눔스퀘어OTF Light" panose="020B0600000101010101" pitchFamily="34" charset="-127"/>
+              <a:ea typeface="나눔스퀘어OTF Light" panose="020B0600000101010101" pitchFamily="34" charset="-127"/>
+            </a:endParaRPr>
+          </a:p>
+          <a:p>
+            <a:r>
+              <a:rPr lang="en-US" altLang="ko-KR" sz="2000">
+                <a:latin typeface="나눔스퀘어OTF Light" panose="020B0600000101010101" pitchFamily="34" charset="-127"/>
+                <a:ea typeface="나눔스퀘어OTF Light" panose="020B0600000101010101" pitchFamily="34" charset="-127"/>
+              </a:rPr>
+              <a:t>3. </a:t>
+            </a:r>
+            <a:r>
+              <a:rPr lang="ko-KR" altLang="en-US" sz="2000">
+                <a:latin typeface="나눔스퀘어OTF Light" panose="020B0600000101010101" pitchFamily="34" charset="-127"/>
+                <a:ea typeface="나눔스퀘어OTF Light" panose="020B0600000101010101" pitchFamily="34" charset="-127"/>
+              </a:rPr>
+              <a:t>수업 내용</a:t>
+            </a:r>
+            <a:endParaRPr lang="en-US" altLang="ko-KR" sz="2000">
+              <a:latin typeface="나눔스퀘어OTF Light" panose="020B0600000101010101" pitchFamily="34" charset="-127"/>
+              <a:ea typeface="나눔스퀘어OTF Light" panose="020B0600000101010101" pitchFamily="34" charset="-127"/>
+            </a:endParaRPr>
+          </a:p>
         </p:txBody>
       </p:sp>
       <p:cxnSp>
@@ -3920,7 +6251,7 @@
         </p:nvCxnSpPr>
         <p:spPr>
           <a:xfrm>
-            <a:off x="5213987" y="2227827"/>
+            <a:off x="5213987" y="2672444"/>
             <a:ext cx="1764026" cy="0"/>
           </a:xfrm>
           <a:prstGeom prst="line">

--- a/0 - 수업 소개.pptx
+++ b/0 - 수업 소개.pptx
@@ -292,7 +292,7 @@
           <a:p>
             <a:fld id="{3BAD717E-5B48-41D6-98B3-DB23E84BF0BC}" type="datetimeFigureOut">
               <a:rPr lang="ko-KR" altLang="en-US" smtClean="0"/>
-              <a:t>2021-12-25</a:t>
+              <a:t>2021-12-27</a:t>
             </a:fld>
             <a:endParaRPr lang="ko-KR" altLang="en-US"/>
           </a:p>
@@ -490,7 +490,7 @@
           <a:p>
             <a:fld id="{3BAD717E-5B48-41D6-98B3-DB23E84BF0BC}" type="datetimeFigureOut">
               <a:rPr lang="ko-KR" altLang="en-US" smtClean="0"/>
-              <a:t>2021-12-25</a:t>
+              <a:t>2021-12-27</a:t>
             </a:fld>
             <a:endParaRPr lang="ko-KR" altLang="en-US"/>
           </a:p>
@@ -698,7 +698,7 @@
           <a:p>
             <a:fld id="{3BAD717E-5B48-41D6-98B3-DB23E84BF0BC}" type="datetimeFigureOut">
               <a:rPr lang="ko-KR" altLang="en-US" smtClean="0"/>
-              <a:t>2021-12-25</a:t>
+              <a:t>2021-12-27</a:t>
             </a:fld>
             <a:endParaRPr lang="ko-KR" altLang="en-US"/>
           </a:p>
@@ -896,7 +896,7 @@
           <a:p>
             <a:fld id="{3BAD717E-5B48-41D6-98B3-DB23E84BF0BC}" type="datetimeFigureOut">
               <a:rPr lang="ko-KR" altLang="en-US" smtClean="0"/>
-              <a:t>2021-12-25</a:t>
+              <a:t>2021-12-27</a:t>
             </a:fld>
             <a:endParaRPr lang="ko-KR" altLang="en-US"/>
           </a:p>
@@ -1171,7 +1171,7 @@
           <a:p>
             <a:fld id="{3BAD717E-5B48-41D6-98B3-DB23E84BF0BC}" type="datetimeFigureOut">
               <a:rPr lang="ko-KR" altLang="en-US" smtClean="0"/>
-              <a:t>2021-12-25</a:t>
+              <a:t>2021-12-27</a:t>
             </a:fld>
             <a:endParaRPr lang="ko-KR" altLang="en-US"/>
           </a:p>
@@ -1436,7 +1436,7 @@
           <a:p>
             <a:fld id="{3BAD717E-5B48-41D6-98B3-DB23E84BF0BC}" type="datetimeFigureOut">
               <a:rPr lang="ko-KR" altLang="en-US" smtClean="0"/>
-              <a:t>2021-12-25</a:t>
+              <a:t>2021-12-27</a:t>
             </a:fld>
             <a:endParaRPr lang="ko-KR" altLang="en-US"/>
           </a:p>
@@ -1848,7 +1848,7 @@
           <a:p>
             <a:fld id="{3BAD717E-5B48-41D6-98B3-DB23E84BF0BC}" type="datetimeFigureOut">
               <a:rPr lang="ko-KR" altLang="en-US" smtClean="0"/>
-              <a:t>2021-12-25</a:t>
+              <a:t>2021-12-27</a:t>
             </a:fld>
             <a:endParaRPr lang="ko-KR" altLang="en-US"/>
           </a:p>
@@ -1989,7 +1989,7 @@
           <a:p>
             <a:fld id="{3BAD717E-5B48-41D6-98B3-DB23E84BF0BC}" type="datetimeFigureOut">
               <a:rPr lang="ko-KR" altLang="en-US" smtClean="0"/>
-              <a:t>2021-12-25</a:t>
+              <a:t>2021-12-27</a:t>
             </a:fld>
             <a:endParaRPr lang="ko-KR" altLang="en-US"/>
           </a:p>
@@ -2102,7 +2102,7 @@
           <a:p>
             <a:fld id="{3BAD717E-5B48-41D6-98B3-DB23E84BF0BC}" type="datetimeFigureOut">
               <a:rPr lang="ko-KR" altLang="en-US" smtClean="0"/>
-              <a:t>2021-12-25</a:t>
+              <a:t>2021-12-27</a:t>
             </a:fld>
             <a:endParaRPr lang="ko-KR" altLang="en-US"/>
           </a:p>
@@ -2413,7 +2413,7 @@
           <a:p>
             <a:fld id="{3BAD717E-5B48-41D6-98B3-DB23E84BF0BC}" type="datetimeFigureOut">
               <a:rPr lang="ko-KR" altLang="en-US" smtClean="0"/>
-              <a:t>2021-12-25</a:t>
+              <a:t>2021-12-27</a:t>
             </a:fld>
             <a:endParaRPr lang="ko-KR" altLang="en-US"/>
           </a:p>
@@ -2701,7 +2701,7 @@
           <a:p>
             <a:fld id="{3BAD717E-5B48-41D6-98B3-DB23E84BF0BC}" type="datetimeFigureOut">
               <a:rPr lang="ko-KR" altLang="en-US" smtClean="0"/>
-              <a:t>2021-12-25</a:t>
+              <a:t>2021-12-27</a:t>
             </a:fld>
             <a:endParaRPr lang="ko-KR" altLang="en-US"/>
           </a:p>
@@ -2942,7 +2942,7 @@
           <a:p>
             <a:fld id="{3BAD717E-5B48-41D6-98B3-DB23E84BF0BC}" type="datetimeFigureOut">
               <a:rPr lang="ko-KR" altLang="en-US" smtClean="0"/>
-              <a:t>2021-12-25</a:t>
+              <a:t>2021-12-27</a:t>
             </a:fld>
             <a:endParaRPr lang="ko-KR" altLang="en-US"/>
           </a:p>
